--- a/Capstone – Recommending Relocation Neighborhood.pptx
+++ b/Capstone – Recommending Relocation Neighborhood.pptx
@@ -12,6 +12,22 @@
     <p:sldId id="260" r:id="rId6"/>
     <p:sldId id="261" r:id="rId7"/>
     <p:sldId id="262" r:id="rId8"/>
+    <p:sldId id="263" r:id="rId9"/>
+    <p:sldId id="264" r:id="rId10"/>
+    <p:sldId id="266" r:id="rId11"/>
+    <p:sldId id="271" r:id="rId12"/>
+    <p:sldId id="265" r:id="rId13"/>
+    <p:sldId id="267" r:id="rId14"/>
+    <p:sldId id="268" r:id="rId15"/>
+    <p:sldId id="269" r:id="rId16"/>
+    <p:sldId id="270" r:id="rId17"/>
+    <p:sldId id="272" r:id="rId18"/>
+    <p:sldId id="274" r:id="rId19"/>
+    <p:sldId id="276" r:id="rId20"/>
+    <p:sldId id="275" r:id="rId21"/>
+    <p:sldId id="277" r:id="rId22"/>
+    <p:sldId id="278" r:id="rId23"/>
+    <p:sldId id="279" r:id="rId24"/>
   </p:sldIdLst>
   <p:sldSz cx="12192000" cy="6858000"/>
   <p:notesSz cx="6858000" cy="9144000"/>
@@ -454,7 +470,7 @@
             <a:fld id="{5923F103-BC34-4FE4-A40E-EDDEECFDA5D0}" type="datetimeFigureOut">
               <a:rPr lang="en-US" dirty="0"/>
               <a:pPr/>
-              <a:t>6/2/2019</a:t>
+              <a:t>6/20/2019</a:t>
             </a:fld>
             <a:endParaRPr lang="en-US" dirty="0"/>
           </a:p>
@@ -1542,7 +1558,7 @@
           <a:p>
             <a:fld id="{923A1CC3-2375-41D4-9E03-427CAF2A4C1A}" type="datetimeFigureOut">
               <a:rPr lang="en-US" dirty="0"/>
-              <a:t>6/2/2019</a:t>
+              <a:t>6/20/2019</a:t>
             </a:fld>
             <a:endParaRPr lang="en-US" dirty="0"/>
           </a:p>
@@ -2522,7 +2538,7 @@
           <a:p>
             <a:fld id="{AFF16868-8199-4C2C-A5B1-63AEE139F88E}" type="datetimeFigureOut">
               <a:rPr lang="en-US" dirty="0"/>
-              <a:t>6/2/2019</a:t>
+              <a:t>6/20/2019</a:t>
             </a:fld>
             <a:endParaRPr lang="en-US" dirty="0"/>
           </a:p>
@@ -3656,7 +3672,7 @@
           <a:p>
             <a:fld id="{AAD9FF7F-6988-44CC-821B-644E70CD2F73}" type="datetimeFigureOut">
               <a:rPr lang="en-US" dirty="0"/>
-              <a:t>6/2/2019</a:t>
+              <a:t>6/20/2019</a:t>
             </a:fld>
             <a:endParaRPr lang="en-US" dirty="0"/>
           </a:p>
@@ -4689,7 +4705,7 @@
           <a:p>
             <a:fld id="{5C12C299-16B2-4475-990D-751901EACC14}" type="datetimeFigureOut">
               <a:rPr lang="en-US" dirty="0"/>
-              <a:t>6/2/2019</a:t>
+              <a:t>6/20/2019</a:t>
             </a:fld>
             <a:endParaRPr lang="en-US" dirty="0"/>
           </a:p>
@@ -5349,7 +5365,7 @@
           <a:p>
             <a:fld id="{9FE86839-B9D8-4651-8783-F325ECE74E65}" type="datetimeFigureOut">
               <a:rPr lang="en-US" dirty="0"/>
-              <a:t>6/2/2019</a:t>
+              <a:t>6/20/2019</a:t>
             </a:fld>
             <a:endParaRPr lang="en-US" dirty="0"/>
           </a:p>
@@ -6210,7 +6226,7 @@
           <a:p>
             <a:fld id="{FD484F64-32F6-45C5-931F-ADC1662401D0}" type="datetimeFigureOut">
               <a:rPr lang="en-US" dirty="0"/>
-              <a:t>6/2/2019</a:t>
+              <a:t>6/20/2019</a:t>
             </a:fld>
             <a:endParaRPr lang="en-US" dirty="0"/>
           </a:p>
@@ -6400,7 +6416,7 @@
           <a:p>
             <a:fld id="{53086D93-FCAC-47E0-A2EE-787E62CA814C}" type="datetimeFigureOut">
               <a:rPr lang="en-US" dirty="0"/>
-              <a:t>6/2/2019</a:t>
+              <a:t>6/20/2019</a:t>
             </a:fld>
             <a:endParaRPr lang="en-US" dirty="0"/>
           </a:p>
@@ -7372,7 +7388,7 @@
           <a:p>
             <a:fld id="{CDA879A6-0FD0-4734-A311-86BFCA472E6E}" type="datetimeFigureOut">
               <a:rPr lang="en-US" dirty="0"/>
-              <a:t>6/2/2019</a:t>
+              <a:t>6/20/2019</a:t>
             </a:fld>
             <a:endParaRPr lang="en-US" dirty="0"/>
           </a:p>
@@ -7583,7 +7599,7 @@
           <a:p>
             <a:fld id="{19C9CA7B-DFD4-44B5-8C60-D14B8CD1FB59}" type="datetimeFigureOut">
               <a:rPr lang="en-US" dirty="0"/>
-              <a:t>6/2/2019</a:t>
+              <a:t>6/20/2019</a:t>
             </a:fld>
             <a:endParaRPr lang="en-US" dirty="0"/>
           </a:p>
@@ -8617,7 +8633,7 @@
           <a:p>
             <a:fld id="{F34E6425-0181-43F2-84FC-787E803FD2F8}" type="datetimeFigureOut">
               <a:rPr lang="en-US" dirty="0"/>
-              <a:t>6/2/2019</a:t>
+              <a:t>6/20/2019</a:t>
             </a:fld>
             <a:endParaRPr lang="en-US" dirty="0"/>
           </a:p>
@@ -8889,7 +8905,7 @@
           <a:p>
             <a:fld id="{3BDB8791-F1B0-41E7-B7FD-A781E65C4266}" type="datetimeFigureOut">
               <a:rPr lang="en-US" dirty="0"/>
-              <a:t>6/2/2019</a:t>
+              <a:t>6/20/2019</a:t>
             </a:fld>
             <a:endParaRPr lang="en-US" dirty="0"/>
           </a:p>
@@ -9299,7 +9315,7 @@
           <a:p>
             <a:fld id="{5FDD63B2-E120-4ED8-B27B-C685F510A5FE}" type="datetimeFigureOut">
               <a:rPr lang="en-US" dirty="0"/>
-              <a:t>6/2/2019</a:t>
+              <a:t>6/20/2019</a:t>
             </a:fld>
             <a:endParaRPr lang="en-US" dirty="0"/>
           </a:p>
@@ -9426,7 +9442,7 @@
           <a:p>
             <a:fld id="{7AA18ACC-A947-437B-A130-35BD54FDF1E9}" type="datetimeFigureOut">
               <a:rPr lang="en-US" dirty="0"/>
-              <a:t>6/2/2019</a:t>
+              <a:t>6/20/2019</a:t>
             </a:fld>
             <a:endParaRPr lang="en-US" dirty="0"/>
           </a:p>
@@ -9521,7 +9537,7 @@
           <a:p>
             <a:fld id="{7C8D7E02-BCB8-4D50-A234-369438C08659}" type="datetimeFigureOut">
               <a:rPr lang="en-US" dirty="0"/>
-              <a:t>6/2/2019</a:t>
+              <a:t>6/20/2019</a:t>
             </a:fld>
             <a:endParaRPr lang="en-US" dirty="0"/>
           </a:p>
@@ -10602,7 +10618,7 @@
           <a:p>
             <a:fld id="{76E86A4C-8E40-4F87-A4F0-01A0687C5742}" type="datetimeFigureOut">
               <a:rPr lang="en-US" dirty="0"/>
-              <a:t>6/2/2019</a:t>
+              <a:t>6/20/2019</a:t>
             </a:fld>
             <a:endParaRPr lang="en-US" dirty="0"/>
           </a:p>
@@ -11710,7 +11726,7 @@
           <a:p>
             <a:fld id="{35E72C73-2D91-4E12-BA25-F0AA0C03599B}" type="datetimeFigureOut">
               <a:rPr lang="en-US" dirty="0"/>
-              <a:t>6/2/2019</a:t>
+              <a:t>6/20/2019</a:t>
             </a:fld>
             <a:endParaRPr lang="en-US" dirty="0"/>
           </a:p>
@@ -12707,7 +12723,7 @@
           <a:p>
             <a:fld id="{2BE451C3-0FF4-47C4-B829-773ADF60F88C}" type="datetimeFigureOut">
               <a:rPr lang="en-US" dirty="0"/>
-              <a:t>6/2/2019</a:t>
+              <a:t>6/20/2019</a:t>
             </a:fld>
             <a:endParaRPr lang="en-US" dirty="0"/>
           </a:p>
@@ -13326,6 +13342,1458 @@
 </p:sld>
 </file>
 
+<file path=ppt/slides/slide10.xml><?xml version="1.0" encoding="utf-8"?>
+<p:sld xmlns:a="http://schemas.openxmlformats.org/drawingml/2006/main" xmlns:r="http://schemas.openxmlformats.org/officeDocument/2006/relationships" xmlns:p="http://schemas.openxmlformats.org/presentationml/2006/main">
+  <p:cSld>
+    <p:spTree>
+      <p:nvGrpSpPr>
+        <p:cNvPr id="1" name=""/>
+        <p:cNvGrpSpPr/>
+        <p:nvPr/>
+      </p:nvGrpSpPr>
+      <p:grpSpPr>
+        <a:xfrm>
+          <a:off x="0" y="0"/>
+          <a:ext cx="0" cy="0"/>
+          <a:chOff x="0" y="0"/>
+          <a:chExt cx="0" cy="0"/>
+        </a:xfrm>
+      </p:grpSpPr>
+      <p:sp>
+        <p:nvSpPr>
+          <p:cNvPr id="2" name="Title 1"/>
+          <p:cNvSpPr>
+            <a:spLocks noGrp="1"/>
+          </p:cNvSpPr>
+          <p:nvPr>
+            <p:ph type="title"/>
+          </p:nvPr>
+        </p:nvSpPr>
+        <p:spPr/>
+        <p:txBody>
+          <a:bodyPr/>
+          <a:lstStyle/>
+          <a:p>
+            <a:r>
+              <a:rPr lang="en-US" dirty="0" smtClean="0"/>
+              <a:t>Methodology – Dealing with </a:t>
+            </a:r>
+            <a:r>
+              <a:rPr lang="en-US" dirty="0" err="1" smtClean="0"/>
+              <a:t>NaN’s</a:t>
+            </a:r>
+            <a:endParaRPr lang="he-IL" dirty="0"/>
+          </a:p>
+        </p:txBody>
+      </p:sp>
+      <p:sp>
+        <p:nvSpPr>
+          <p:cNvPr id="3" name="Content Placeholder 2"/>
+          <p:cNvSpPr>
+            <a:spLocks noGrp="1"/>
+          </p:cNvSpPr>
+          <p:nvPr>
+            <p:ph idx="1"/>
+          </p:nvPr>
+        </p:nvSpPr>
+        <p:spPr>
+          <a:xfrm>
+            <a:off x="1154954" y="2603500"/>
+            <a:ext cx="6430702" cy="3416300"/>
+          </a:xfrm>
+        </p:spPr>
+        <p:txBody>
+          <a:bodyPr>
+            <a:normAutofit/>
+          </a:bodyPr>
+          <a:lstStyle/>
+          <a:p>
+            <a:pPr algn="l" rtl="0"/>
+            <a:r>
+              <a:rPr lang="en-US" dirty="0" smtClean="0"/>
+              <a:t>After the merge, we encountered quite a few </a:t>
+            </a:r>
+            <a:r>
+              <a:rPr lang="en-US" dirty="0" err="1" smtClean="0"/>
+              <a:t>NaN</a:t>
+            </a:r>
+            <a:r>
+              <a:rPr lang="en-US" dirty="0" smtClean="0"/>
+              <a:t> features in our data frame.</a:t>
+            </a:r>
+          </a:p>
+          <a:p>
+            <a:pPr algn="l" rtl="0"/>
+            <a:r>
+              <a:rPr lang="en-US" dirty="0" smtClean="0"/>
+              <a:t>The reason for this was some venue types that are common in some cities, but non existent in other.</a:t>
+            </a:r>
+          </a:p>
+          <a:p>
+            <a:pPr algn="l" rtl="0"/>
+            <a:r>
+              <a:rPr lang="en-US" dirty="0" smtClean="0"/>
+              <a:t>American Restaurant, for example, exist in all 3 cities, but Antique Shop is not.</a:t>
+            </a:r>
+          </a:p>
+        </p:txBody>
+      </p:sp>
+      <p:pic>
+        <p:nvPicPr>
+          <p:cNvPr id="4" name="Picture 3"/>
+          <p:cNvPicPr>
+            <a:picLocks noChangeAspect="1"/>
+          </p:cNvPicPr>
+          <p:nvPr/>
+        </p:nvPicPr>
+        <p:blipFill>
+          <a:blip r:embed="rId2"/>
+          <a:stretch>
+            <a:fillRect/>
+          </a:stretch>
+        </p:blipFill>
+        <p:spPr>
+          <a:xfrm>
+            <a:off x="7902620" y="2603500"/>
+            <a:ext cx="3887654" cy="3140477"/>
+          </a:xfrm>
+          <a:prstGeom prst="rect">
+            <a:avLst/>
+          </a:prstGeom>
+        </p:spPr>
+      </p:pic>
+    </p:spTree>
+    <p:extLst>
+      <p:ext uri="{BB962C8B-B14F-4D97-AF65-F5344CB8AC3E}">
+        <p14:creationId xmlns:p14="http://schemas.microsoft.com/office/powerpoint/2010/main" val="48026990"/>
+      </p:ext>
+    </p:extLst>
+  </p:cSld>
+  <p:clrMapOvr>
+    <a:masterClrMapping/>
+  </p:clrMapOvr>
+</p:sld>
+</file>
+
+<file path=ppt/slides/slide11.xml><?xml version="1.0" encoding="utf-8"?>
+<p:sld xmlns:a="http://schemas.openxmlformats.org/drawingml/2006/main" xmlns:r="http://schemas.openxmlformats.org/officeDocument/2006/relationships" xmlns:p="http://schemas.openxmlformats.org/presentationml/2006/main">
+  <p:cSld>
+    <p:spTree>
+      <p:nvGrpSpPr>
+        <p:cNvPr id="1" name=""/>
+        <p:cNvGrpSpPr/>
+        <p:nvPr/>
+      </p:nvGrpSpPr>
+      <p:grpSpPr>
+        <a:xfrm>
+          <a:off x="0" y="0"/>
+          <a:ext cx="0" cy="0"/>
+          <a:chOff x="0" y="0"/>
+          <a:chExt cx="0" cy="0"/>
+        </a:xfrm>
+      </p:grpSpPr>
+      <p:sp>
+        <p:nvSpPr>
+          <p:cNvPr id="2" name="Title 1"/>
+          <p:cNvSpPr>
+            <a:spLocks noGrp="1"/>
+          </p:cNvSpPr>
+          <p:nvPr>
+            <p:ph type="title"/>
+          </p:nvPr>
+        </p:nvSpPr>
+        <p:spPr/>
+        <p:txBody>
+          <a:bodyPr/>
+          <a:lstStyle/>
+          <a:p>
+            <a:r>
+              <a:rPr lang="en-US" dirty="0"/>
+              <a:t>Methodology – Dealing with </a:t>
+            </a:r>
+            <a:r>
+              <a:rPr lang="en-US" dirty="0" err="1"/>
+              <a:t>NaN’s</a:t>
+            </a:r>
+            <a:endParaRPr lang="he-IL" dirty="0"/>
+          </a:p>
+        </p:txBody>
+      </p:sp>
+      <p:sp>
+        <p:nvSpPr>
+          <p:cNvPr id="4" name="Content Placeholder 2"/>
+          <p:cNvSpPr txBox="1">
+            <a:spLocks/>
+          </p:cNvSpPr>
+          <p:nvPr/>
+        </p:nvSpPr>
+        <p:spPr>
+          <a:xfrm>
+            <a:off x="1307354" y="2755900"/>
+            <a:ext cx="8825659" cy="3416300"/>
+          </a:xfrm>
+          <a:prstGeom prst="rect">
+            <a:avLst/>
+          </a:prstGeom>
+        </p:spPr>
+        <p:txBody>
+          <a:bodyPr vert="horz" lIns="91440" tIns="45720" rIns="91440" bIns="45720" rtlCol="0">
+            <a:normAutofit/>
+          </a:bodyPr>
+          <a:lstStyle>
+            <a:lvl1pPr marL="342900" indent="-342900" algn="r" defTabSz="457200" rtl="1" eaLnBrk="1" latinLnBrk="0" hangingPunct="1">
+              <a:spcBef>
+                <a:spcPts val="1000"/>
+              </a:spcBef>
+              <a:spcAft>
+                <a:spcPts val="0"/>
+              </a:spcAft>
+              <a:buClr>
+                <a:schemeClr val="accent1"/>
+              </a:buClr>
+              <a:buSzPct val="80000"/>
+              <a:buFont typeface="Wingdings 3" charset="2"/>
+              <a:buChar char=""/>
+              <a:defRPr sz="1800" b="0" i="0" kern="1200">
+                <a:solidFill>
+                  <a:schemeClr val="tx1">
+                    <a:lumMod val="75000"/>
+                    <a:lumOff val="25000"/>
+                  </a:schemeClr>
+                </a:solidFill>
+                <a:latin typeface="+mn-lt"/>
+                <a:ea typeface="+mn-ea"/>
+                <a:cs typeface="+mn-cs"/>
+              </a:defRPr>
+            </a:lvl1pPr>
+            <a:lvl2pPr marL="742950" indent="-285750" algn="r" defTabSz="457200" rtl="1" eaLnBrk="1" latinLnBrk="0" hangingPunct="1">
+              <a:spcBef>
+                <a:spcPts val="1000"/>
+              </a:spcBef>
+              <a:spcAft>
+                <a:spcPts val="0"/>
+              </a:spcAft>
+              <a:buClr>
+                <a:schemeClr val="accent1"/>
+              </a:buClr>
+              <a:buSzPct val="80000"/>
+              <a:buFont typeface="Wingdings 3" charset="2"/>
+              <a:buChar char=""/>
+              <a:defRPr sz="1600" b="0" i="0" kern="1200">
+                <a:solidFill>
+                  <a:schemeClr val="tx1">
+                    <a:lumMod val="75000"/>
+                    <a:lumOff val="25000"/>
+                  </a:schemeClr>
+                </a:solidFill>
+                <a:latin typeface="+mn-lt"/>
+                <a:ea typeface="+mn-ea"/>
+                <a:cs typeface="+mn-cs"/>
+              </a:defRPr>
+            </a:lvl2pPr>
+            <a:lvl3pPr marL="1143000" indent="-228600" algn="r" defTabSz="457200" rtl="1" eaLnBrk="1" latinLnBrk="0" hangingPunct="1">
+              <a:spcBef>
+                <a:spcPts val="1000"/>
+              </a:spcBef>
+              <a:spcAft>
+                <a:spcPts val="0"/>
+              </a:spcAft>
+              <a:buClr>
+                <a:schemeClr val="accent1"/>
+              </a:buClr>
+              <a:buSzPct val="80000"/>
+              <a:buFont typeface="Wingdings 3" charset="2"/>
+              <a:buChar char=""/>
+              <a:defRPr sz="1400" b="0" i="0" kern="1200">
+                <a:solidFill>
+                  <a:schemeClr val="tx1">
+                    <a:lumMod val="75000"/>
+                    <a:lumOff val="25000"/>
+                  </a:schemeClr>
+                </a:solidFill>
+                <a:latin typeface="+mn-lt"/>
+                <a:ea typeface="+mn-ea"/>
+                <a:cs typeface="+mn-cs"/>
+              </a:defRPr>
+            </a:lvl3pPr>
+            <a:lvl4pPr marL="1600200" indent="-228600" algn="r" defTabSz="457200" rtl="1" eaLnBrk="1" latinLnBrk="0" hangingPunct="1">
+              <a:spcBef>
+                <a:spcPts val="1000"/>
+              </a:spcBef>
+              <a:spcAft>
+                <a:spcPts val="0"/>
+              </a:spcAft>
+              <a:buClr>
+                <a:schemeClr val="accent1"/>
+              </a:buClr>
+              <a:buSzPct val="80000"/>
+              <a:buFont typeface="Wingdings 3" charset="2"/>
+              <a:buChar char=""/>
+              <a:defRPr sz="1200" b="0" i="0" kern="1200">
+                <a:solidFill>
+                  <a:schemeClr val="tx1">
+                    <a:lumMod val="75000"/>
+                    <a:lumOff val="25000"/>
+                  </a:schemeClr>
+                </a:solidFill>
+                <a:latin typeface="+mn-lt"/>
+                <a:ea typeface="+mn-ea"/>
+                <a:cs typeface="+mn-cs"/>
+              </a:defRPr>
+            </a:lvl4pPr>
+            <a:lvl5pPr marL="2057400" indent="-228600" algn="r" defTabSz="457200" rtl="1" eaLnBrk="1" latinLnBrk="0" hangingPunct="1">
+              <a:spcBef>
+                <a:spcPts val="1000"/>
+              </a:spcBef>
+              <a:spcAft>
+                <a:spcPts val="0"/>
+              </a:spcAft>
+              <a:buClr>
+                <a:schemeClr val="accent1"/>
+              </a:buClr>
+              <a:buSzPct val="80000"/>
+              <a:buFont typeface="Wingdings 3" charset="2"/>
+              <a:buChar char=""/>
+              <a:defRPr sz="1200" b="0" i="0" kern="1200">
+                <a:solidFill>
+                  <a:schemeClr val="tx1">
+                    <a:lumMod val="75000"/>
+                    <a:lumOff val="25000"/>
+                  </a:schemeClr>
+                </a:solidFill>
+                <a:latin typeface="+mn-lt"/>
+                <a:ea typeface="+mn-ea"/>
+                <a:cs typeface="+mn-cs"/>
+              </a:defRPr>
+            </a:lvl5pPr>
+            <a:lvl6pPr marL="2514600" indent="-228600" algn="r" defTabSz="457200" rtl="1" eaLnBrk="1" latinLnBrk="0" hangingPunct="1">
+              <a:spcBef>
+                <a:spcPts val="1000"/>
+              </a:spcBef>
+              <a:spcAft>
+                <a:spcPts val="0"/>
+              </a:spcAft>
+              <a:buClr>
+                <a:schemeClr val="accent1"/>
+              </a:buClr>
+              <a:buSzPct val="80000"/>
+              <a:buFont typeface="Wingdings 3" charset="2"/>
+              <a:buChar char=""/>
+              <a:defRPr sz="1200" b="0" i="0" kern="1200">
+                <a:solidFill>
+                  <a:schemeClr val="tx1">
+                    <a:lumMod val="75000"/>
+                    <a:lumOff val="25000"/>
+                  </a:schemeClr>
+                </a:solidFill>
+                <a:latin typeface="+mn-lt"/>
+                <a:ea typeface="+mn-ea"/>
+                <a:cs typeface="+mn-cs"/>
+              </a:defRPr>
+            </a:lvl6pPr>
+            <a:lvl7pPr marL="2971800" indent="-228600" algn="r" defTabSz="457200" rtl="1" eaLnBrk="1" latinLnBrk="0" hangingPunct="1">
+              <a:spcBef>
+                <a:spcPts val="1000"/>
+              </a:spcBef>
+              <a:spcAft>
+                <a:spcPts val="0"/>
+              </a:spcAft>
+              <a:buClr>
+                <a:schemeClr val="accent1"/>
+              </a:buClr>
+              <a:buSzPct val="80000"/>
+              <a:buFont typeface="Wingdings 3" charset="2"/>
+              <a:buChar char=""/>
+              <a:defRPr sz="1200" b="0" i="0" kern="1200">
+                <a:solidFill>
+                  <a:schemeClr val="tx1">
+                    <a:lumMod val="75000"/>
+                    <a:lumOff val="25000"/>
+                  </a:schemeClr>
+                </a:solidFill>
+                <a:latin typeface="+mn-lt"/>
+                <a:ea typeface="+mn-ea"/>
+                <a:cs typeface="+mn-cs"/>
+              </a:defRPr>
+            </a:lvl7pPr>
+            <a:lvl8pPr marL="3429000" indent="-228600" algn="r" defTabSz="457200" rtl="1" eaLnBrk="1" latinLnBrk="0" hangingPunct="1">
+              <a:spcBef>
+                <a:spcPts val="1000"/>
+              </a:spcBef>
+              <a:spcAft>
+                <a:spcPts val="0"/>
+              </a:spcAft>
+              <a:buClr>
+                <a:schemeClr val="accent1"/>
+              </a:buClr>
+              <a:buSzPct val="80000"/>
+              <a:buFont typeface="Wingdings 3" charset="2"/>
+              <a:buChar char=""/>
+              <a:defRPr sz="1200" b="0" i="0" kern="1200">
+                <a:solidFill>
+                  <a:schemeClr val="tx1">
+                    <a:lumMod val="75000"/>
+                    <a:lumOff val="25000"/>
+                  </a:schemeClr>
+                </a:solidFill>
+                <a:latin typeface="+mn-lt"/>
+                <a:ea typeface="+mn-ea"/>
+                <a:cs typeface="+mn-cs"/>
+              </a:defRPr>
+            </a:lvl8pPr>
+            <a:lvl9pPr marL="3886200" indent="-228600" algn="r" defTabSz="457200" rtl="1" eaLnBrk="1" latinLnBrk="0" hangingPunct="1">
+              <a:spcBef>
+                <a:spcPts val="1000"/>
+              </a:spcBef>
+              <a:spcAft>
+                <a:spcPts val="0"/>
+              </a:spcAft>
+              <a:buClr>
+                <a:schemeClr val="accent1"/>
+              </a:buClr>
+              <a:buSzPct val="80000"/>
+              <a:buFont typeface="Wingdings 3" charset="2"/>
+              <a:buChar char=""/>
+              <a:defRPr sz="1200" b="0" i="0" kern="1200">
+                <a:solidFill>
+                  <a:schemeClr val="tx1">
+                    <a:lumMod val="75000"/>
+                    <a:lumOff val="25000"/>
+                  </a:schemeClr>
+                </a:solidFill>
+                <a:latin typeface="+mn-lt"/>
+                <a:ea typeface="+mn-ea"/>
+                <a:cs typeface="+mn-cs"/>
+              </a:defRPr>
+            </a:lvl9pPr>
+          </a:lstStyle>
+          <a:p>
+            <a:pPr algn="l" rtl="0"/>
+            <a:r>
+              <a:rPr lang="en-US" dirty="0" smtClean="0"/>
+              <a:t>Two approaches were considered:</a:t>
+            </a:r>
+          </a:p>
+          <a:p>
+            <a:pPr marL="800100" lvl="1" indent="-342900" algn="l" rtl="0">
+              <a:buFont typeface="+mj-lt"/>
+              <a:buAutoNum type="alphaUcPeriod"/>
+            </a:pPr>
+            <a:r>
+              <a:rPr lang="en-US" dirty="0" smtClean="0"/>
+              <a:t>Dropping the columns (Venue Types) that don’t exist in the 3 cities.</a:t>
+            </a:r>
+          </a:p>
+          <a:p>
+            <a:pPr marL="800100" lvl="1" indent="-342900" algn="l" rtl="0">
+              <a:buFont typeface="+mj-lt"/>
+              <a:buAutoNum type="alphaUcPeriod"/>
+            </a:pPr>
+            <a:r>
+              <a:rPr lang="en-US" dirty="0" smtClean="0"/>
+              <a:t>Replacing the Nan’s with 0.</a:t>
+            </a:r>
+          </a:p>
+          <a:p>
+            <a:pPr indent="-285750" algn="l" rtl="0"/>
+            <a:r>
+              <a:rPr lang="en-US" dirty="0" smtClean="0"/>
+              <a:t>The second approach was chosen due to 2 factors:</a:t>
+            </a:r>
+          </a:p>
+          <a:p>
+            <a:pPr marL="800100" lvl="1" indent="-342900" algn="l" rtl="0">
+              <a:buFont typeface="+mj-lt"/>
+              <a:buAutoNum type="alphaUcPeriod"/>
+            </a:pPr>
+            <a:r>
+              <a:rPr lang="en-US" dirty="0" smtClean="0"/>
+              <a:t>Not having a certain venue type, is also a feature that should be considered.</a:t>
+            </a:r>
+          </a:p>
+          <a:p>
+            <a:pPr marL="800100" lvl="1" indent="-342900" algn="l" rtl="0">
+              <a:buFont typeface="+mj-lt"/>
+              <a:buAutoNum type="alphaUcPeriod"/>
+            </a:pPr>
+            <a:r>
+              <a:rPr lang="en-US" dirty="0" smtClean="0"/>
+              <a:t>The accuracy metrics were better using the second solution.</a:t>
+            </a:r>
+          </a:p>
+          <a:p>
+            <a:pPr marL="457200" lvl="1" indent="0" algn="l" rtl="0">
+              <a:buFont typeface="Wingdings 3" charset="2"/>
+              <a:buNone/>
+            </a:pPr>
+            <a:endParaRPr lang="en-US" dirty="0"/>
+          </a:p>
+        </p:txBody>
+      </p:sp>
+    </p:spTree>
+    <p:extLst>
+      <p:ext uri="{BB962C8B-B14F-4D97-AF65-F5344CB8AC3E}">
+        <p14:creationId xmlns:p14="http://schemas.microsoft.com/office/powerpoint/2010/main" val="4239090213"/>
+      </p:ext>
+    </p:extLst>
+  </p:cSld>
+  <p:clrMapOvr>
+    <a:masterClrMapping/>
+  </p:clrMapOvr>
+</p:sld>
+</file>
+
+<file path=ppt/slides/slide12.xml><?xml version="1.0" encoding="utf-8"?>
+<p:sld xmlns:a="http://schemas.openxmlformats.org/drawingml/2006/main" xmlns:r="http://schemas.openxmlformats.org/officeDocument/2006/relationships" xmlns:p="http://schemas.openxmlformats.org/presentationml/2006/main">
+  <p:cSld>
+    <p:spTree>
+      <p:nvGrpSpPr>
+        <p:cNvPr id="1" name=""/>
+        <p:cNvGrpSpPr/>
+        <p:nvPr/>
+      </p:nvGrpSpPr>
+      <p:grpSpPr>
+        <a:xfrm>
+          <a:off x="0" y="0"/>
+          <a:ext cx="0" cy="0"/>
+          <a:chOff x="0" y="0"/>
+          <a:chExt cx="0" cy="0"/>
+        </a:xfrm>
+      </p:grpSpPr>
+      <p:sp>
+        <p:nvSpPr>
+          <p:cNvPr id="2" name="Title 1"/>
+          <p:cNvSpPr>
+            <a:spLocks noGrp="1"/>
+          </p:cNvSpPr>
+          <p:nvPr>
+            <p:ph type="title"/>
+          </p:nvPr>
+        </p:nvSpPr>
+        <p:spPr/>
+        <p:txBody>
+          <a:bodyPr/>
+          <a:lstStyle/>
+          <a:p>
+            <a:r>
+              <a:rPr lang="en-US" dirty="0" smtClean="0"/>
+              <a:t>Methodology – Method</a:t>
+            </a:r>
+            <a:endParaRPr lang="he-IL" dirty="0"/>
+          </a:p>
+        </p:txBody>
+      </p:sp>
+      <p:sp>
+        <p:nvSpPr>
+          <p:cNvPr id="3" name="Content Placeholder 2"/>
+          <p:cNvSpPr>
+            <a:spLocks noGrp="1"/>
+          </p:cNvSpPr>
+          <p:nvPr>
+            <p:ph idx="1"/>
+          </p:nvPr>
+        </p:nvSpPr>
+        <p:spPr/>
+        <p:txBody>
+          <a:bodyPr/>
+          <a:lstStyle/>
+          <a:p>
+            <a:pPr algn="l" rtl="0"/>
+            <a:r>
+              <a:rPr lang="en-US" dirty="0" smtClean="0"/>
+              <a:t>To achieve our business goal, we decided to use K-nearest neighbor classifier.</a:t>
+            </a:r>
+          </a:p>
+          <a:p>
+            <a:pPr algn="l" rtl="0"/>
+            <a:r>
+              <a:rPr lang="en-US" dirty="0" smtClean="0"/>
+              <a:t>This is an unsupervised training method that groups members by their feature similarity, in our case, ratio of certain venues.</a:t>
+            </a:r>
+          </a:p>
+          <a:p>
+            <a:pPr marL="0" indent="0" algn="l" rtl="0">
+              <a:buNone/>
+            </a:pPr>
+            <a:endParaRPr lang="en-US" dirty="0" smtClean="0"/>
+          </a:p>
+          <a:p>
+            <a:pPr algn="l" rtl="0"/>
+            <a:endParaRPr lang="he-IL" dirty="0"/>
+          </a:p>
+        </p:txBody>
+      </p:sp>
+    </p:spTree>
+    <p:extLst>
+      <p:ext uri="{BB962C8B-B14F-4D97-AF65-F5344CB8AC3E}">
+        <p14:creationId xmlns:p14="http://schemas.microsoft.com/office/powerpoint/2010/main" val="436263110"/>
+      </p:ext>
+    </p:extLst>
+  </p:cSld>
+  <p:clrMapOvr>
+    <a:masterClrMapping/>
+  </p:clrMapOvr>
+</p:sld>
+</file>
+
+<file path=ppt/slides/slide13.xml><?xml version="1.0" encoding="utf-8"?>
+<p:sld xmlns:a="http://schemas.openxmlformats.org/drawingml/2006/main" xmlns:r="http://schemas.openxmlformats.org/officeDocument/2006/relationships" xmlns:p="http://schemas.openxmlformats.org/presentationml/2006/main">
+  <p:cSld>
+    <p:spTree>
+      <p:nvGrpSpPr>
+        <p:cNvPr id="1" name=""/>
+        <p:cNvGrpSpPr/>
+        <p:nvPr/>
+      </p:nvGrpSpPr>
+      <p:grpSpPr>
+        <a:xfrm>
+          <a:off x="0" y="0"/>
+          <a:ext cx="0" cy="0"/>
+          <a:chOff x="0" y="0"/>
+          <a:chExt cx="0" cy="0"/>
+        </a:xfrm>
+      </p:grpSpPr>
+      <p:sp>
+        <p:nvSpPr>
+          <p:cNvPr id="2" name="Title 1"/>
+          <p:cNvSpPr>
+            <a:spLocks noGrp="1"/>
+          </p:cNvSpPr>
+          <p:nvPr>
+            <p:ph type="title"/>
+          </p:nvPr>
+        </p:nvSpPr>
+        <p:spPr/>
+        <p:txBody>
+          <a:bodyPr/>
+          <a:lstStyle/>
+          <a:p>
+            <a:r>
+              <a:rPr lang="en-US" dirty="0"/>
+              <a:t>Methodology </a:t>
+            </a:r>
+            <a:r>
+              <a:rPr lang="en-US" dirty="0" smtClean="0"/>
+              <a:t>– choosing k value </a:t>
+            </a:r>
+            <a:endParaRPr lang="he-IL" dirty="0"/>
+          </a:p>
+        </p:txBody>
+      </p:sp>
+      <p:sp>
+        <p:nvSpPr>
+          <p:cNvPr id="3" name="Content Placeholder 2"/>
+          <p:cNvSpPr>
+            <a:spLocks noGrp="1"/>
+          </p:cNvSpPr>
+          <p:nvPr>
+            <p:ph idx="1"/>
+          </p:nvPr>
+        </p:nvSpPr>
+        <p:spPr>
+          <a:xfrm>
+            <a:off x="1154954" y="2603500"/>
+            <a:ext cx="8825659" cy="4003362"/>
+          </a:xfrm>
+        </p:spPr>
+        <p:txBody>
+          <a:bodyPr/>
+          <a:lstStyle/>
+          <a:p>
+            <a:pPr algn="l" rtl="0"/>
+            <a:r>
+              <a:rPr lang="en-US" dirty="0" smtClean="0"/>
+              <a:t>Before our training we must decide on the k value – the amount of clusters we want to be created.</a:t>
+            </a:r>
+          </a:p>
+          <a:p>
+            <a:pPr algn="l" rtl="0"/>
+            <a:r>
+              <a:rPr lang="en-US" dirty="0" smtClean="0"/>
+              <a:t>To do this we used the “Elbow Method”. We trained the model using different values of k and looked for the best accuracy.</a:t>
+            </a:r>
+          </a:p>
+          <a:p>
+            <a:pPr algn="l" rtl="0"/>
+            <a:r>
+              <a:rPr lang="en-US" dirty="0" smtClean="0"/>
+              <a:t>We received the following graph:</a:t>
+            </a:r>
+          </a:p>
+          <a:p>
+            <a:pPr algn="l" rtl="0"/>
+            <a:r>
+              <a:rPr lang="en-US" dirty="0" smtClean="0"/>
+              <a:t>The absolute best was at </a:t>
+            </a:r>
+            <a:r>
+              <a:rPr lang="en-US" dirty="0" smtClean="0"/>
+              <a:t>k=7, </a:t>
+            </a:r>
+            <a:r>
+              <a:rPr lang="en-US" dirty="0" smtClean="0"/>
+              <a:t>however</a:t>
+            </a:r>
+          </a:p>
+          <a:p>
+            <a:pPr marL="0" indent="0" algn="l" rtl="0">
+              <a:buNone/>
+            </a:pPr>
+            <a:r>
+              <a:rPr lang="en-US" dirty="0" smtClean="0"/>
+              <a:t>      we decided it’s quite low and won’t</a:t>
+            </a:r>
+          </a:p>
+          <a:p>
+            <a:pPr marL="0" indent="0" algn="l" rtl="0">
+              <a:buNone/>
+            </a:pPr>
+            <a:r>
+              <a:rPr lang="en-US" dirty="0"/>
+              <a:t> </a:t>
+            </a:r>
+            <a:r>
+              <a:rPr lang="en-US" dirty="0" smtClean="0"/>
+              <a:t>     create good enough differentiation.</a:t>
+            </a:r>
+          </a:p>
+          <a:p>
+            <a:pPr marL="0" indent="0" algn="l" rtl="0">
+              <a:buNone/>
+            </a:pPr>
+            <a:endParaRPr lang="en-US" dirty="0" smtClean="0"/>
+          </a:p>
+          <a:p>
+            <a:pPr algn="l" rtl="0"/>
+            <a:endParaRPr lang="he-IL" dirty="0"/>
+          </a:p>
+        </p:txBody>
+      </p:sp>
+      <p:sp>
+        <p:nvSpPr>
+          <p:cNvPr id="5" name="AutoShape 3" descr="data:image/png;base64,iVBORw0KGgoAAAANSUhEUgAAAX0AAAD8CAYAAACb4nSYAAAABHNCSVQICAgIfAhkiAAAAAlwSFlzAAALEgAACxIB0t1+/AAAADl0RVh0U29mdHdhcmUAbWF0cGxvdGxpYiB2ZXJzaW9uIDMuMC4yLCBodHRwOi8vbWF0cGxvdGxpYi5vcmcvOIA7rQAAIABJREFUeJztvXmYXGd15/89te9VXd2t3tSLZMmWvEqyJBMWhx2bBJs1mCU4CRnC/MJMSMIkMJmB/MjwPJPkIUAmDGHzwI8HsAFDcGY8EIMNtgFbki3ZlpBkLa2l1d3q6q2quvbl/f1x71tdXV3LvVW3lu46n+fx4+6qe6vevq3+1rnnPed7SAgBhmEYpjswtXsBDMMwTOtg0WcYhukiWPQZhmG6CBZ9hmGYLoJFn2EYpotg0WcYhukiWPQZhmG6CBZ9hmGYLoJFn2EYpouwtHsBpfT19YmJiYl2L4NhGGZD8cwzz8wLIfprHddxoj8xMYEjR460exkMwzAbCiK6qOU4Tu8wDMN0ESz6DMMwXQSLPsMwTBfBos8wDNNFsOgzDMN0ESz6DMMwXQSLPsMwTBfBoq+TF6bCeObiYruXwTAMUxcs+jr5xEPH8Vc/ON7uZTAMw9RFx3XkdjL5vMCp2SgAQAgBImrzihiGYfTBkb4OLi/FEU/nEE/nML+SbvdyGIZhdMOir4OTM9HC15cWY21cCcMwTH2w6Ovg9Gyx6MfbuBKGYZj6YNHXwanZCEYCThABFxdY9BmG2XhoEn0iuoOIThPRWSL6aJnn/4yIfk1EzxPRT4lovOi5e4nojPrfvUYuvtWcmo3iphE/hnwOjvQZhtmQ1BR9IjID+DyAOwFcD+BdRHR9yWFHAewXQtwM4HsA/k49NwjgEwBuA3AQwCeIqMe45beOeDqLCwsx7BryYqzXhUsc6TMMswHREukfBHBWCHFeCJEGcD+Au4sPEEI8JoSQKvgUgK3q128A8IgQYlEIsQTgEQB3GLN0/Txw+BL++efn6jr3zNUVCAHsGvRhLOjCxSZG+kcuLOLgp36CUDTVtPdgGKY70SL6IwAuF30/pT5WifcD+L91ntsUhBD4x5+ewV8++AL+4d9eRCqb0/0ap2YjAIDdQ16M97oRiqaQSOt/HS0cvbSMuWgKhya585dhGGPRIvrlOpBE2QOJ3gtgP4C/13MuEX2AiI4Q0ZFQKKRhSdoRQuBvf3Qa//DIi9g16EU6l8eJ6Yju1zk5E4XLZsZojwujQReA5lXwzISTAIBjl5ea8voMw3QvWkR/CsBo0fdbAUyXHkRErwXwVwDuEkKk9JwrhPiSEGK/EGJ/f3/Nub6ayecF/vqhE/jnn5/De18yhq/9/kEASiStl1OzEVw74IXJRBhvsujPRhIA6lsnwzBMNbSI/mEAO4loGxHZANwD4KHiA4hoL4AvQhH8uaKnfgzg9UTUo27gvl59rOnk8gJ/+eDz+PqvLuIDt2/H39x9Iwb9DowEnDh6SV8ELYTA6dkodg95AQDjvYroX1xoToOWjPRfuBJGJpdvynswDNOd1BR9IUQWwIegiPVJAN8RQpwgok8S0V3qYX8PwAPgu0R0jIgeUs9dBPA3UD44DgP4pPpYU8nk8viT+4/iu89M4cOv3YmP3bmr4JOzZyygO4Kei6awFM9g16APAOB3WuF1WHC5WZF+OAmvw4JUNo9TRV3ADMMwjaLJcE0I8TCAh0se+3jR16+tcu59AO6rd4F6SWZy+NC3nsVPTs7hr964G//u9u1rnt87GsD/eX4Gc5Ektvgcml7z5IyyB3DdoBLpExHGe5tTwZPN5TEXTeHuW4bx/aNXcPTyEm7a6jf8fRiG6U42VUduPJ3FH379CH5ycg7/7c03rhN8ANg7prQJPKsj2pfOmrtU0QeAsWBzavXnV9LI5QX2jveg32vHMc7rMwxjIJtG9CPJDN731UP45bl5fPodt+C9Lxkve9wNwz5YzYSjOipjTs9GMeR3IOCyFR4bC7oxtZRALl+2kKluZsLKJu6w34G9owEcvcyizzCMcWwa0U+kc1iKp/FP796Ht926teJxDqsZNwz7deX1T85E1kT5gBLpp3N5zEaSda+5HHITd9DvwJ6xACbnY1iKsY0zwzDGsGlEf8DnwI8+fDveeNNQzWP3jgXw/NQyshoqY9LZPM6FVrBryLfmcVnBY3SKR4r+kN+JvaNKKurYFEf7DMMYw6YRfQCwmrX9OHvHepDM5Au5+mqcn19BJifKRvqA8b76s+EE7BYTelxW3LzVDxNxvT7DMMaxqURfK3tHAwCgqV5flkzKck3JkN8Bi4kMb9CaCScx5HeAiOC2W3DtgBfHOK/PMIxBdKXob+1xos9j1xRBn5qNwmombO93r3ncYjZhpMdpuK/+bDiJQf9qKenesR4cu7SEvMEbxgzDdCddKfpEhL1j2ipjTs1GsGOLt2zqaCzoalKk7yx8v3c0gEgyi8kmdf8yDNNddKXoA8C+sR5NlTGnZqLr8vmS8V5jRT+fF7gaKY30ZSqKUzwMwzRO14q+FNNq+fLleBqzkWRF0R8LurAczyCcyBiypvlYCtm8wFCR6F/T74HXbtHtF8QwDFOOrhV9WRnzbBUxLXTilpRrSsaCSp7fKA+eWVmjX2QPYTIRbhkN8GYuwzCG0LWi77JZsGvQVzVtckr13NldJdIHjBuSXlyjX8ye0QBOzUabNrSFYZjuoWtFH1BSPMcuL1e0Ujg1G0XQbUO/1172+bFeY331Z4u6cUvXmcsLvHAlbMj7MM1BCIF0lq2wmc6my0W/ByupLM6FVso+f3I2iusGvAVb5lI8dgt63TbDGrSmwwlYzYRet23N43t09BUw7eO7z0zhwKd+gmSG78iYzqWrRX/fWGUxzecFXpyNYtdQ+dSOZMzACh5Zo28yrf2Q6fXYMRZ0cV6/w3no2DTCCeM29hmmGXS16G/rc8PvtOLZi+vF9NJiHIlMDrsHy2/iSsaCLkNz+kM+Z9nn9tYx/IVpHbFUFk9PLgAAoslsm1fDMJXpatFfbdJaH+mfmlU2cWtF+uNBF6aXE4bkcku7cYvZMxrAbCRZsF5mOosnz84jk1P2hlZSLPpM59LVog8Ae0d7cGZuBZHk2lvykzNREAE7t1QX/dGgC3kBTC83JsZCCMyqvjtl16kOf+GhKp3Jz06vjoaOsegzHQyL/lgAQgDPX15bGXN6NoptvW44beaq54/3KrX6jY5OXIylkc7lK0b6u4e8sJlNPFSlAxFC4LFTIUyo1Vyc3mE6ma4X/VsqVMacmo3UTO0ARb76DYr+ao1+edG3W8y4YcTHkX4HcnImitlIEm+6ZRgAp3eYzqbrRd/vtGLnFs+aztxYKouLi/F1dsrl6PfYYbeYcKlBQ7TVGv3yG7mAktd//soyMhqGvzCt4zE1tfPbN6uin+TqHaZz6XrRB1Bw3BRC2Yh78WoUQqCi504xJhMZ4rY5E6ke6SvrVIa/nNYw/IVpHY+emsNNI35M9Cl3fRzpM50Miz4UMV2OZ3BBLb2Uoqol0geMKducDSdgMRH6POW7f4Gi4S+c1+8YlmJpHL20hFft2gK7xQyb2YSVFDdnMZ0Liz6K7YuVFM+p2SjcNjO29lROtRQjG7TknUI9zISTGPA5YDaV7/4F5PAXG3fmdhCPnwkhL4BXXdcPAPA4LFhJcXqH6VxY9KGUZbpt5kLz08mZCK4b9K7rjK3EWNCFeDqHhRre/NWYWa5coy8hIuwZ7eHO3A7isVNz6HXbcMtWJXDw2C1Y4eodpoNh0QdgVu2Lj15eghACp2ajFe2UyyEreBpJ8cxGaos+oNyVnA/FEI5zNNlucnmBn78Ywm9e218IEDx2C+f0mY6GRV9l31gPTs5EMTkfQziR0bSJK5EWy/X66gshMBNOYMinQfTVvP6xKY72282xy8tYimfwql1bCo8p6R0WfaN48sw8LszzqFAjYdFXkfbF331mCoD2TVwA2NrTWKQfTmSQzFRuzCrmpq1+ELHjZifw2Kk5mE2E23f2Fx7jSN9Y/sO3n8UXfnau3cvYVLDoq0j74u8eUUT/Oh2RvsNqxqDPUXfZZqXhKeXwOqy4dou3I8zX5iJJfONXF2rOGd6sPHZ6DreO9cDvshYe45y+cSQzOSzFM1iMd+e/r2ZhafcCOoVejx3jvUrp5UjACb/TWvukIpQKnvpuQysNT6nEntEAfnRiFkKIsl7/QghcWoxjOZ4pdBwbyYnpML765CT+9blpZHICqWwef/iK7Ya/TydzNZLEiekI/uKO69Y8zukd45hfSQEAW1UbDIt+EXtHA7i4ENeVz5eMB134+Yuhut63lgVDKXvHAnjgyGVMzsewvd8DQPkD+eW5Bfzy7DyePDuPqSXFAO7uPcP4mzffCJ9D34dYKfm8wE9PzeGrT57HU+cX4bKZ8Z7bxvHA4cuF9XcTj51SunBfXZTPBwCv3cLeOwYRiqqiz0ULhsKiX8TesR78y7FpXakdyVjQhbloCol0rqZJWymz4QRMhIpjGUvZo/YVfPPpSzAR8OTZBZxU5/l6HRa89Jpe/NHt2zG/ksY/PXYWz1xcwufu2YNbx4P6figolhTfe2YK/+sXk7ig3gX95zfuwjsPjMHvtOLxF0OFO5Vu4rHTcxj2O3DdwNp/K267BalsHplcHlYzZ08boSD6HOkbCot+EQe3KaJYT0pEzsu9vBTHtQP6PjRmwkn0e+2aRWLnFi+8dgu++uQkbGYT9k/04D+94Tq8bEcfbhrxr2nwuv3afnz4gaP4nS8+hf/w6h340Kt2wKLhfS7Mx/DNpy/igcOXEUlmsXcsgI+84TrcccPgmvMHfA7MRrpL9FPZHJ48M4+7946sS6957MqfVCyVRcBlK3c6o5GQmt5ZTnBO30hY9IvYPeTDI396O3Zs8eg+V5ZtXlrQL/qzkaSmTVyJ2UT42h8cRCyVxYGJYNU7i1vHe/Dwf3wFPv7DE/jsT87gyTPz+Mw792BUXW8xubzAo6fm8I2nLuLxF0OwmAhvuHEQf/Cybbh1vKfs6w/6HTg0uah57ZuBIxeWEEvn8Orrtqx7zuNQ/qSiSRb9RpGRfjKTRzKTg8Oq7w6aKQ+Lfgk7dQq2pBFf/ZlwEjt1ftBUEuFyeB1WfOade/DK6/rxX35wHG/83BP4b2+5EXfvGQGg7Ac8cPgyvvX0JVxZTmDAZ8efvvZa3HNwFAM1egcGfA7MRZPI54XmDuaNzqOn5mCzmPDSHb3rnvOqkT5v5jbOnCr6ABBJZFj0DUKT6BPRHQA+B8AM4CtCiP9e8vztAD4L4GYA9wghvlf0XA7AC+q3l4QQdxmx8E6jx2WFx27R3aAlhMDMcgKv2NnXpJWtcveeEewb68GHHziGP7n/GB5VNyMffmEGmZzAy3b04r/+9m68ZveA5lTTkN+BTE5gMZ6uaha3mXjs9Bxesr0XLtv6Px8Z6bPoN06oSPSXExls0dC8yNSmpugTkRnA5wG8DsAUgMNE9JAQ4tdFh10C8HsAPlLmJRJCiD0GrLWjISLVbVNf2WY0lUUsndNcudMoo0EXHvjAS/BPj53FP/70DNw2C95z2zje+5LxutJa8k5gNpzsCtG/uBDD+VAMv/uS8bLPuznSN4xQNAWLiZDNCyxzBY9haIn0DwI4K4Q4DwBEdD+AuwEURF8IcUF9rqune4wFXXhxTp/XvZbhKUZjMZvw4ddei/fcNg6XzVwQqnqQvQWz4SRuHPEbtcSORd4dvapMPh8oSu9w2WbDhKIpbOtz48zcClfwGIiWe/gRAJeLvp9SH9OKg4iOENFTRPRmXavbYIz3ujC1mEA+r91iWW+NvpH0e+0NCT4ADMpIv0sqeB47HcL2Pjcm+txln+f0jjEIIRBaSWHngHL3ucxduYahRfTL7c7pMY4fE0LsB/BuAJ8lomvWvQHRB9QPhiOhUH0NTp3AWK8L6VxelwDOhpUmqsENmq/s89hgIqVDdbMTT2fx1PmFNQZrpXg40jeESDKLdDaPHVuUwgqO9I1Di+hPARgt+n4rgGmtbyCEmFb/fx7AzwDsLXPMl4QQ+4UQ+/v7+0uf3jAUyjZ1bObKSL9WlUynYjGb0O+1d0WD1i/PLiCdzVdM7QCA28aRvhGEosq/p219LpiIRd9ItIj+YQA7iWgbEdkA3APgIS0vTkQ9RGRXv+4D8DIU7QVsNsaDyi3/JR1um3ID1GbZuN2bg35nV6R3Hj09B7fNjAPbKpfLmkwEt83Mot8gslxzwOuA32nljVwDqak0QogsgA8B+DGAkwC+I4Q4QUSfJKK7AICIDhDRFIB3APgiEZ1QT98N4AgRPQfgMQD/vaTqZ1MxFFDGHeqN9NuRzzeSQV97I/1nLi7iY99/HtFkc4XhyTPzeOmOPtgt1evFPQ522mwUWa7Z77XD77RypG8gmnbxhBAPA3i45LGPF319GErap/S8XwK4qcE1bhisZhNGAk5dDVqz4WRh8tZGZdDnwC/PLbT8fZOZHD7zyIv48hPnkRfAa3cP4DW7B5ryXtlcHlNLcdy9Z7jmseyp3zhrRN9lwzKLvmFs3JxChzIWdOmM9BMbPtIf8DsQTWYRT7dO6J6fWsab/seT+OLj5/FbNytCPL2caNr7hVZSyAtt9tcehxVRFv2GCK2kYDOb4HdaEWhzpJ/J5fHBbzyD5zbJbGoWfYMZ63XhksYGrVgqi0gy29Ia/WYwWNSg1WzS2Tw+/W+n8Zb/+UtEk1l8/Q8O4nPv3AOb2YSpJor+9LLysw1r+F157GbEWPQbIhRNod9rBxEp6Z02lmxejSTxoxOz+PahS21bg5Gw947BjAVdWIpnEElmanrYt7NG30iKG7Skv38z+PV0BH/+3edwciaCt+3bio+/6frCsJuhgKMgzM1Az6Abj92C+Wh9U9QYhVA0hT7VajzgsrY1vRNJKB/gT5yZrzi4aCPBom8w42rZ5mQoVtOiWe/ErE6l2Q1a2VweX/jZOfzjo2fgd9rw5fftx+uuX5u7Hwk4cWWpeUI7o/ZTaIv0rZzTb5BQNFWYPR1wWhFJZNpm6hdRCwSuLCdwfj6Ga5oY2LQCTu8YzK3jPTAR8Mivr9Y8VgrJpon0DRb9XF7gh8eu4M7PPYFPP/Ii7rhxCI/86e3rBB8AhgPOpkb6M+EknFYzfM7acZLXYWl6JdFmR6Z3AMDntCIv0LZ9kkjRXcbjdU7H6yRY9A1mi8+BV+zsxw+OXqlpxzC7wRuzJC6bBV6HBVcNyulnc3l875kpvO4ffo4/uf8YAOCf33sr/se79qLHXd6jfiTgxNVoEulsc+yfZsIJDAUcmm7tZfWOEHoa1xlJJpfHYjyNLYX0jvI7j7QpxSPHX7psZjxxZr4tazASFv0m8NZ9I7iynMBT56uXMc5Ekgi6bZvCJ3zQgAla6Wwe3z50Ca/69M/wke8+B7vVjC+8Zx9+/OHbcceNg1XPHQk4IUTz7CD09FO47RbkhTL8g9HPYiwNIVbHh8p9m3Y1aMn0zmt2D+BX5xaQyubasg6jYNFvAm+4YRBeuwUPPnul6nGz4eSG9dwpZdDvqLt6J5nJ4Ru/uoBX/v1j+Nj3X0CPS8nbP/wfX447bxrSlMcdDii5djkQ3mhmlrVPNytMz0pxiqce5iKrNfqAspELtG9sotzI/a2bBpHI5PDMxaW2rMMoWPSbgMNqxm/dPIT/e3ymauneZujGldQb6YcTGbzuMz/Hf/3hCQz6Hfja7x/AD//4ZXjd9QO6qiRGehRBbkatfjaXx1xU+++K7ZUbI7Si/DsqiL4a6berVj+azMBlM+PlO/thMREef3Fjp3hY9JvEW/dtRTydw4+Oz1Y8ZlbNE28GBv0OhKIpZHP6UhrHLi/j8mICf/f2m/Hgv38pXnndlrpK4qQgX2mC6M9FlcYszZE+D1JpiEI3rqdz0js+hzIZb994D544s7E3c1n0m8SBiR6MBV34/tGpss8nMzksxTO6BqJ3MgM+B/ICmF/Rdwt+PrQCQBlK0kj9s8NqRp/H3pRIX28/BXvqN0axBQOgVO8A7Yv0I4ksvOrv9Dev7ceJ6ciaUY4bDRb9JkFEeOu+Efzy3EJZISrU6G+WnL76c8gyVK2cD8XgtVvQ5ylflaOHkYCjKZF+obRW410Ze+o3Riiags9hKRQ4OKxmOKym9qV3UpnCB4+cZf2Lsxs3xcOi30TeuncrhAB+cHT9hu70JqnRl8hafb3VM5PzMWzvdxvS5TjS42yK6MsP6CEfp3daQWhltUZfEnDa2jY9K5LIwqdG+jcO+9Hjsm7oen0W/SYy1uvCwYkgHnx2al3N9mbpxpUUWzHo4XxoxTDrhmG/E9PLCcPr46eXk3DZtDVmAZzeaZS5SBnRd7XPdC2SzMCrWqqYTISX7+zH46olw0aERb/JvO3WEZwPxXCsxKFvZpOJftBlg9VMmI1oz3XG01lMh5PYVmHerF5GepxIZvJYjBkbEc5GEhj0a2vMAlYj/Sind+pCifTX/l342jhIJZrMrvnAv31nH+ZXUjg5E23LehqFRb/J3HnTEOwWEx58du2G7mw4Cb/TCpdtc9gfmUyELV6HrvTOhXnFK2d7vzGiL2v1jbZjmF5OavLckdgtJlhMxE6bdRKKpgqVO5J22SsLIRBJrDVPfMVOZaTrRq3iYdFvMj6HFW+4YRD/+tzMmk6+zVSjLxn0O3Rt5J6fVyp3tvcZk94ZUUX/yrKxxmuz4aSuOzIiUqZnsejrJpbKIp7OYYtvrei3a3pWIpNDNi8K6R1A+Xd+3YAXj7PoM5V4261bEU5k8OjJucJjMmWwmRj0OXBVR3rnfEiZOzDRZ8zksFXRNy7Sl41Zwzp/Vx47j0ysh9IafUnA1Z70jkzRle7nvGJnHw5PLiGR3niWDCz6LeDlO/qwxWtfk+KZDWtv698oSCsGrRtck/MxDPsdhqW4Ai4rnFYzrhhoxSAbs/QOuvHYLTw9qw5CK2tr9CUBlw2JTK7lvjfS5K10Nsbt1/Yjncvj6cnWjwltFBb9FmA2Ed6ydwQ/Ox3C/EoKqWwO8yvpzZfe8TmQyOQQ0RjhGlm5AyhplZEep6ENWnpr9CVeh4Vz+nVQ6rsjaVeDljRbk81ZkoPbgrBbTBvSkoFFv0W8dd9WZPMCDx2bLvzD3mzpnQEdtfpCCJwPxQzbxJUMB4yt1a93upmbh6PXRSi61ndHUvDfaXGKJ1JI76yN9B1WMw5uC27IzVwW/RZx3aAXN4748OCzU5tmTGIpq125tUV/fiWNaCprWLmmZCRgcKS/LH9X+tM7nNPXT2glBbOJEHSt7dD2tyvSr5DeAYDbd/bjzNxKU6w/mgmLfgt5276tODEdwc9OKxu6m1X0tQxTkZ47Rs/UHQk4sBBLG7bBNhNOwm0zFzoyteJ1cE6/HkLRFPo8tnV22gV75bZF+ut//6+4VrFkeHKDDVZh0W8hd90yDIuJ8I1fXQSgf3Ow05Fldlosls/PK5U7242O9KXFsk4PoErMhPU1Zkk40q+P4jGJxQScSuTf6gHp1SL96wa82OK14+cbLMXDot9Cej12vPK6LYimsvDaLYXOzc2Cw2pG0G3TJvqhFdgspkJDlVHIJiqjbrlnwsm61uixW5HI5JCrMTKTWctcmcYsoH3pnWgyC5vZBLtlvVQSEV6xsx+/ODu/oX7PLPot5u23jgDYfJu4kgGfQ1N6Z3I+hm29bpg1TMXSg4z0jSrbnAkn6nJCddsVh0jezNVHpUjf67CACAi32HQtkszA57RUvNO7/do+LMczeOFKuKXragQW/Rbzql1bEHBZDY9wO4VBn13TRm4zKncA5UPHRMZE+plcHnPRFIbq+F152XRNN7m8wEIsjS3e9R+yJhO1pSs3ksis6cYt5eU7+kAEPLGBXDdZ9FuM3WLGl9+3Hx+9c1e7l9IUBv21/XcyuTwuLcabIvpWswmDPgemDBD9uWgKQtS34e6xK0LBeX3tLMXTyOVF2UgfUFI8rc7pR5PZqpv4vR47bhz2byhLBhb9NnBgIojdQ752L6MpDPqcWIilq3ZOXl6MI5sX2GaQ504pwwaVbc42MPNg1V6Zh6NrpXRiVimBNjhtKumdypE+oFgyPHtpGdHkxvhds+gzhjLoV/5g56p48EjPnWZE+oBxDVrTddboA8WDVDaeN0u7qCX6vrald6oXXNx+bT9yeYFfntsYlgws+oyhDPhqd+Wuums2R/RHepyYDScbrqio14IB4JGJ9TBXwWxNEnDZ2lK9U65cs5h9Yz1w28wbpjuXRZ8xFFmVVG0zd3I+hqDbhoCr8bm45RgOOJHJiYaHV8vGLG8dpbWc3tGPlvROO7x3aqV3bBYTXrK9F7/iSJ/pRgY1RPrnQrGmRfkAsLVgsdxYimdmOYmhgLOu+b08PUs/oWgKbpsZ7gofsn6nFcvxNPItqolPZ/NIZvKaPvQn+tyGD+9pFiz6jKH4nVbYLaaqs3KbVa4pGTZK9CP1D7qRoh/jnL5myg1ELybgsiIvgJV0az5I5cZsrUgfUO5OEpnchnBWZdFnDIWIMOR3VOzKjSQzmF9JNa1yBwCG1Rx8oxU8M8uJukXfbCI4rWZO7+ggFE1WFX1fi502q/nulCL3IRpNKbYCFn3GcAZ8lWv1J5tcuQMAXocVPoeloa7cTC6P0EqqIX8kHpmoj0rduJJAi60YpO+O11470u9T1z2/sklEn4juIKLTRHSWiD5a5vnbiehZIsoS0dtLnruXiM6o/91r1MKZzkWZlVte9GXlzjVNFH0AGOlxNRTpX40kIQR0j0ksxmu3cE5fB5V8dyRy479VtfrRCl765dhUkT4RmQF8HsCdAK4H8C4iur7ksEsAfg/At0rODQL4BIDbABwE8Aki6ml82UwnM+hzYC6SKjs2cTIUg4mAsWCTRT/gaCinL/ckGvFI4khfO8lMDtFkFluq+By12nQtUsjpa0jvqJF+aJNE+gcBnBVCnBdCpAHcD+Du4gOEEBeEEM8DyJec+wYAjwghFoUQSwAeAXCHAetmOpgBnwPpXB6LsfXmWOfmYxgNumAr41poJCMNNmhNq6LfiEeSx84jE7VSaSB6MQVP/URrTNcK6Z0adfoAEHTbYCJbbreiAAAgAElEQVRgfjNE+gBGAFwu+n5KfUwLms4log8Q0REiOhIKbYwGB6YycvOz3Gbu+SaXa0qGA05Ek9lCtKYXacHQSKTv5vSOZioNRC+m1ZF+Ib2jYYCO2UQIuu2bJtIvV6SstVBW07lCiC8JIfYLIfb39/drfGmmU6k0KzefF5icN3YYeiVkhF5vXn96OQmP3VKzG7MaXp6Tq5lajVmAMq/BbjG1sHonAxMBbpu25rw+j21z5PShROejRd9vBTCt8fUbOZfZoFSalTsbSSKZyRs+F7cchQladYr+bDjZ8MwDzulrR4voA0qKp1UbudJWuXR0YyX6vXaEVlrr918PWkT/MICdRLSNiGwA7gHwkMbX/zGA1xNRj7qB+3r1MWYT0++1g2j9rNxmG60VMxJobJjKTLj+Gn2JHJlYbkObWctcNAUioNdd3ZqjlZ76kWS2ptlaMf1e++bI6QshsgA+BEWsTwL4jhDiBBF9kojuAgAiOkBEUwDeAeCLRHRCPXcRwN9A+eA4DOCT6mPMJsZqNqHPY1+X018t12x+eqffY4fVTLhSZ2v8TLj+blyJx2FBNi+QypbWNzClhKIp9LptsJirS1LAaWvZRm40mdGV3uv3KDn9Tv+Q1/QxJoR4GMDDJY99vOjrw1BSN+XOvQ/AfQ2skdmAKF25a6Oe86EY3DYzttS4hTcCk4kw5K+vgiedVRqz6rFULmbVXjkLh9Xc0GttdkLRFPqqVO5IfE6rIbbZWogksprKNSX9XjvS2TwiyWxh07kT4Y5cpimUm5V7fj6Gbf3uugzM6mGkzmEqc9Fk3ROzimF7Ze3U8t2RBFxWXXNyhRD4o28cwaOnrupeUyRZfVRiKYVa/Q5P8bDoM01h0Oco+NFLzodWsL2JnjulDAecdeX05QZ0PbNxiymO9JnqzNewYJAEdI5MnF9J48cnruLxF+d1r0mLl34x8k6l060YWPSZpjDodyCSzCKRVlwmk5kcriwnWrKJKxnpceJqNIlMTl9OvSD6BuT0ARb9WgghavruSPxOK+LpHNIa90kuLijFA/VE35FERnd6p973aiUs+kxTkBO05GbuxYU4hEBLyjUlIwEHhEBVm+dyzCzXPxu3GE7vaCOcyCCdy2OLt/b1ll25Wit4LizEAei3R8jlBaKprL70zgbx32HRZ5pCoStXFdzzodZV7khGAi4A+n31Z8JJeO0WXX/w5eD0jja01ugDRfbKGkVfRvp6Uy7yd6alG1fid1phMRGnd5jupHRW7vl55Y+vlZG+9NXXm9efCScabswCVtM7URb9qmjx3ZFIp82wxrJNGenrrZ+XvjtaHDYlJhOhz2PnSJ/pTkpn5Z4PxTDgs1cchdcM6rVimA0nG97EBVZ92Dm9Ux0tvjsS6amvtStXRvqRZBbJjPYpZgWHTR2RPgD0eW0c6TPdicdugcduKYr0W1u5AyheLX0eG6bD+kR/OpzEUBWLX+3vb4LZROy0WQM96R09pmtCCEzOx+CwKjK3UMb1tRKrZmv6UnyyQauTYdFnmsaAz17I6U/ON3cubiWGA05M6UjvpLN5zK+kMBRoXPSJCG6bmXP6NZiLpmC3mDRF1QV7ZQ2R/nI8g2gyiz2jAQD6Ujz1pHcA1X+H0ztMtzKozspdjKWxHM+0xF2zFL0NWnJiVqOVOxKvw8r2yjWQ5Zpamva8DiuIoKlW/4Ka2tk/HgSgbzNXzsfV470DKLX6Cytp5POda8XAos80jUGfE1cjyULlTit89EsZVoepaPVDkSWmjVowSDx2Cw9Hr4HWGn1A8a332i2FSLwalxaVTdxbJ3oK76OVaCGnrz/Sz+aFrgayVsOizzSNQb8dc9EUzsypot+G9M5IwIlkJo8ljRt/0wbV6EvYXrk2oRqzcUsJuGxY1mDFcGE+DiJg35gi+roi/UR9kf5GaNBi0WeaxqDPgVxe4PDkIqxmwtYeV8vXMKzTYnnWIAsGiRLpa68a6Ua0+u5ItNorX1yIYcjngN9phddhwbwOr/tIMgO3zVzT9bOUjWDFwKLPNA1Zq/+r8wsY73XDrHEYhZFsVYepaG3Qko1ZHoNKSxVP/c691W83GXWWspZuXEnApc1/58JCDOO9yt2l3qqaqE6zNQlH+kxXU1yr3458PlAU6WsW/YQhlTsSD49MrMq8jhp9id9p1TQy8eJCHBN9yt2l3qYpvbbKEvlzcKTPdCXFXa3tqNwBgB6XFU6rWXMFz0w4iUGDNnEBNafP1TsV0VOjL9GS3okkM1iIpQuRvt6mqYjOASoSr90Cm8XEkT7TnfS57bCoKZ12bOICSq38cMChOac/E05i2KBNXECJ9GPpXEeX8LWTekRfpneqVWRdUu0XxoNKpN/v0TfKUPHS1x/pE5GSSmLRZ7oRk4kKU7Lald4BgJEel6auXNmYZYTvjkTuDcTSHO2Xo95IP5cXiKUrb5DLGv1CpO+xI5LMIpXVtqkeTWZ1N2ZJ+ryd3ZXLos80lQFVQNuV3gEUi2Utkb5szBo2OL0DbD6nzaVYGn/2wLGGh5RL0e/zVB+IXkzAqRxbrWzzooz0e9WcfiHXrq2CJ5KoL70DgCN9prsZ8jsQcFkRdGv/ozaaYb8TC7F0TcMtaQ7XjEh/s+X1f3FuHt8/egVPn19o6HXmoikEXFbYLdpnCPs1WDFcmI+h37tq8FcopdQgxkIIRJLZutI7gHLX0skbua2zPGS6kv/nlTvw5j0jbV3DSFHZZjU/fznecdjI6p1Naq8s/Yxk12u96G3MAlZN16p15V5ciGOid7UvRE9VTSKTQy4v6k7v9HtsWIylkcuLtpQp14Ijfaap3Djix+tvGGzrGrRaLK9G+sald7wyp7/pRF8R+4ZFX2djFlBkulZF9Itr9IHV9JEW0ZfduHWnd7x25AWwEOvMaJ9Fn9n0jGgU/dlwEl6HcY1ZAArphc2W3pGRvsyd14se3x2Jv4anfjydxVw0tSbS79MxylB66TeS3gGA+aj2DuBWwqLPbHoG/Q6YqLYVw/RywjDPHYn8ANls6Z3LaoR/uYFIvzAQXWd6R27kVtpElncfxZG+w2qG167NiqFgtlZv9Y78gOnQvD6LPrPpsZpNGPA5cPTyMhJVyvxmI0nD3DUlMlrcTJG+EKIQ6V9eiiNXZw9CLJ1DIpPDFp8+0XdYTbBZTFiuMDLxwrwi+hO9a8uE+zWWUq6mdxqL9Du1godFn+kK7rplGE+cmcdv/v1j+ObTF5HJ5dcdM72cNDzSd2/CnP78ShqpbB67Br3I5ETBjlovc+p5etM7RAS/01pxI1eOSBzrXWvw16exQWs1vdNYpN+pFTws+kxX8LE37sZ3/ug3MBZ04a9+cByv/8zj+N/PTxc6ZQsTswyO9K1mExxW06aq05ebuC+9pg/AqsjqZXUguv4P2oDTWjGnf2EhjqDbVsj9S/q8Nm2RvhyVWIf3DqB80LtsZo70GabdHNwWxHc/+Bv46r37YTOb8KFvHcVdn38Sj78YKszyNTrSB5S8/mbK6cvUzkuv6QVQf15/ro5uXIm/iuhfXIgVmrKK0RzpJ+oboFJMJ49N5Dp9pqsgIrxm9wBeed0W/PDYFXz6317E++47hB1blPp9Ix02JYq98uYR/ctqpH9gWxAWE9VdwXNhXrlDGA3qv7sKuKyYXi6fVrq4EMfBbcF1j/cXWTFUawaLJDOwWUxwWLU3jJXS5+ncBi2O9JmuxGwivHXfVjz6kd/EJ950PZZiyqbgWND4QS+bbXrW1FKikD4Z6XHWXat/LrSCkYATLpv+2NPvtJWt3klmcpgOJ8pH+uodxUKNCp5oMlv3Jq6kk60YONJnuhq7xYzff9k2vGP/KM7Nrawp8zOKzeapP7WUKAynGQu6GhD9WN3uq5XslaeW4hACFdM7gLLBOlxlMlojvjuSfq8dT082ZlHRLDjSZxgownzLaKBJr23dVOmdqaV4w6IvhMC50EpVW4xqBFxWrKSy66qwZLlmuQ9v2ZVbKwKPJLPw1lmjv/pedizFM0hn11eJtRsWfYZpMh67edNE+vm8UCN9JZIe73VhOZ7R7bY5G0kins7hmi31ib6szCl9X2mpXFqjD2j334kmM42nd2QqqQOtGFj0GabJbKac/vxKCulsfk2kD+iv4Dk3p4jzNXWmd6T/TqnoX1yIw+uwoMe1PlJfTe9Uz+kbld4BOtOKgUWfYZrMZkrvXFbLNUfVSH8sqIi23gqec6EVAMCOOtM7lfx3LizEMNHrBtF6d0tpxaAlvVNvjb6kkEpaqa9xrZloEn0iuoOIThPRWSL6aJnn7UT0gPr800Q0oT4+QUQJIjqm/vfPxi6fYTofr8OCdC6veWpTJyMbswqRvrphqjevfy60Aq/dUleNPlDZXvnSYrzsJq5Ey1SrSCJTdzeupJOtGGqKPhGZAXwewJ0ArgfwLiK6vuSw9wNYEkLsAPAZAH9b9Nw5IcQe9b8PGrRuhtkwuG1KvXcstRlEX4n05YwCj92CXrcNlxb1deWeC63gmi2eshG5FgIudXpWkf9OJpfH1FKibD5fUmtWbiqbQyqbbzinrzWV1A60RPoHAZwVQpwXQqQB3A/g7pJj7gbwdfXr7wF4DdX722SYTYZHjRo3Q4pnaimOXrdtTW39aB0VPOfmYnVX7gCKDQOwNr1zZSmBXF7UiPRtVTdyowULhsYifYfVDK+jdiqpHWj5OBsBcLno+ykAt1U6RgiRJaIwgF71uW1EdBRABMB/EUI80diSGWZjsWqv3Ng8Wa1841cX8OUnJuGymeG0meG2KV4w0hPGbbcg4LLifb8xoXt2QHGNvmS814VnLi5pfo2VVBazkSSu2VJ/T4SvTPVOoXKnr/Lr9nns+MVK5fp5mS6q10u/GK2unq1Gy09WLmIv9VKtdMwMgDEhxAIR3QrgX4joBiFEZM3JRB8A8AEAGBsb07Akhtk4SAFpVXrnh8emkczksHvIi3g6h1gqi/mVFGLpLOKpHFZSWaSyefS57fidA6O6XntqKYHrh31rHhsLuvCvz00jk8vDaq6dPDg3p2ziNhLpm00Er8OyJtIvHYZejj6PHeFEpqIVQyHSbzCnL99ro0b6UwCK/2VsBTBd4ZgpIrIA8ANYFEIIACkAEEI8Q0TnAFwL4EjxyUKILwH4EgDs37+/PnNuhulQCsPRWxDp5/ICv56J4Hf2j+Kv77qh4jE3fuLHODkbKft8JfJ5gStLCbz+hoE1j48FXcgLJb1SLcqWyMqdRkQfWN+Ve2EhBpfNXHUoS3+RFUO5rtxIgwNUSt/r5LS+a9wKtOT0DwPYSUTbiMgG4B4AD5Uc8xCAe9Wv3w7gUSGEIKJ+dSMYRLQdwE4A541ZOsNsDKSnfrQFOf3J+Rji6RxuHPFXPMZsIlw76MWpmaiu1w6tpJDO5QuNWRJZq681r38utAKLiapG5FoIuNaK/sWFOMYrlGtKanndywEqhqR3PJ2Z3qkp+kKILIAPAfgxgJMAviOEOEFEnySiu9TDvgqgl4jOAvgzALKs83YAzxPRc1A2eD8ohFg0+odgmE6mMD2rBQ1aJ6bDAIAbR3xVj9s96MWp2QiUm3FtyAas9Tl9tVZfq+jPxTDW69KUCqpGwGnDcny1Okap0a/+QVJrQHphVKIB6Z1+rx3RZBbJTGdVbWn6OBNCPAzg4ZLHPl70dRLAO8qc9yCABxtcI8NsaDwtHI5+/EoYdoupZtPT7iEf7j98GXPRFAZ82uykpwqNWWtFf4vXDpvFpLkrtxHPnWL8TitmwsqacnmBy4txvP76warn1BqQbmh6p+i9Rpvg3lov3JHLME3GZTODqDUjE49fiWDXkA+WGlH0rkEvAODkjPac82pj1loBM5kIY0GXpgla2VweFxYaK9eU+IvSO9PLCWRy1cs1gWL/nfL185FEFiZa7a1oBK1eP62GRZ9hmgwRtWR6lhACJ6bDuGG4emoHAHYNKsecmtWe159aSqDPYy87XERx20zUfI3LS4o41+u5U4ycniWE0FS5A9S2YogmlW5cI9qMat1VtAsWfYZpAVqnZz34zBTe/eWndOXaJVNLCUSSWdw4XHkTV+J3WTHsd+CUjkj/cpGlciljQRcuLcRqrrtQrlmnu2YxAacV2bxAPJ2r6q5ZSp+38lQrI3x3JLXuKtoFiz7DtACtg1R+cPQKfnluAZPz+oeNH7+ibRNXsmvIpzvSryb6sXQOi7HqAmdUuSaw6rS5nMjg0mIcNosJgxr2J/o8tso5fQMcNiW9Gv37Ww2LPsO0AC32yplcvtDZeviC/iK349NhWEyEawe8mo7fNejF2bkVTUZwubzA9HJiXT5fItMqtSp4zoVW0O+1FwzTGqHgqR/P4MJ8DONBF0ym2mmZ/iqRfjSZNaRcEwCsZhN6XNaOc9pk0WeYFqAl0j9+JYyEWt53aFK7rcHq+RHsHPBqHui9a8iHbF4UvO2rMRdNIpMTFYeYa/XVPzu3Ykg+H1Dm5AKK6Zqs0deCMrS8wkZu0rhIH1A/YDrMU59Fn2FagJac/qFJJbq/dbxHd6QvhMDxK2HcqGETV7JbreA5paEzV5ZrVor0ZUliNV99ZUSiMZU7wFpP/YuLtWv0JcVWDKVEEhlDyjWL36vTGrRY9BmmBWiJ9A9NLmJ7vxt33jiIS4txXI1oTwtcjaSwEEtX7cQtZVufGzaLSVNev1JjlsRhNWPAZ6/albsQSyOcyBgm+jKn/+LVKJKZPMY1WEAAq1U1C2WifSPTO4BqusY5fYbpPjyO6pF+Li9w6MIibtsWxMFtQQCrkb8W5CaulnJNicVswrUDHk21+gUf/TJ+NZLxoBuXqkT6RlbuAKui/9zlZQDQHOlXqp/P5QWiqayx6R1P5f2DdsGizzAtwGu3YCWdrVjSeGo2gmgyi4Pbgrh+yAe3zawrxXN8OgwipdNWD7sGtVXwTC3F0e8tX6MvqeWrfy7U2FzcUpxWM6xmwnNTygeelnJNoLIVw4pBXvpr3strLziddgos+gzTAjwOC4QA4unylTIyqj+4rRcWswn7xnt0RvoRbO9zF8zdtLJr0ItQNFUzGp1aSqyzXyhlvNeF2UiyotfMudAKHFYThv3VX0crRAS/04bFWBpWM2HIr81OomC6VrLBKi0YDE3v1DB4awcs+gzTAtz26qZrhyYXsbXHWUifHJgI4vTVKMJxbXbMv54O68rnS+Sdweka0b5So189fSIreKRdQynnQivY3ufRVFapFb/aSDXa46ppPSEpzK8tEeKIgWZr696rg/L6LPoM0wI8VeyVhRA4NLlYyOUDiugLARy5WDvaX1hJYTqc1NSJW4oWD57VGv3qEbockl6pgkfOxTUSOStXj01zJSsGaatsVEcu0JlWDCz6DNMCqtkrnwvFsBBL47Yi0d87FoDVTDikIa9/Qh3UcYPGTtxiej129HvtVfP6s5EksnmhOdIvl9dPZnKYWkoYls+XyFm5Wmv0JeWsGJoZ6XN6h2G6DI9dEZJyG3rF+XyJw2rGTSN+HNaQ1z8+LSt39Ef6gBLtV6vVn6pRrinpddvgtpnLRvqT8zEIYYz9QjGyVl9r5Y6kz7N+QLqRoxIlQbcNJuJIn2G6jmrpnUOTC+j32tcJ14FtQbxwJVxzCMeJKxGMBp11WxvsHvLhxasryObyZZ8v+OjX8IQnIowGXWW7cs8aMBe3HH5XnZF+mfm1cii6kekds4kQdHdWgxaLPsO0AE+FjVwhBJ5W8/mldr4HJ4LI5ASOXlqu+trHp8N15fMluwa9SGfzFU3eLqsbs8OB2tUx472usv4750IrIAK2G5ze8RfSO/oifcV/p3z1jkdnBZSW9wp1kBUDiz7DtACPzOkn11bjTC0lMBNOrsnnS/aPB0FU3XwtnMjg4kK8rsodifTWP1khrz+1lMCAzw67pbanz5ga6efza/sRzoVi2Nrj1OwLpJWX7ejDa3dvKewnaEVaMaSzq3c30WQWbptZcxWQ9veycaTPMN2G266IXWmk/3Qhn79e9P0uK64b8FYV/V/LTVwdnbil7NjigcVEFb31p5biNTdxJWO9bqSyecyVpE7OzRkzIrGUAxNBfOXeA7qFumDFEFtdp9G+OxLFdI1Fn2G6CrvFDJvFhJXU2vz8ockFBFxWXLulvB3ygYkgnr24VDHffqLBTVwAsFlM2LHFU7GCp5qPfinlKnjyeYHz880R/XrpK+N1b7TDpqTfq+T06xmM0wxY9BmmRSima2vTO4cmF3FgIlixYenAtiBi6Rx+XSEKPzEdwaDPUSgNrJddg96ykX42l8dMOIlRjZH+eMFtc3V/YDqcQDKT7yjRL1dKabTZWuG9PHaks3lENExOawUs+gzTIkrtla9GkriwEC+bz5ccnKhuvnb8SljzpKxq7BryYTqcXNcBPBNOIpcXmiP94YATJlrrq2+0544RlLNiiCSbl94BOqdWn0WfYVpEqb3yoSr5fMmg34HRoLNsXj+ezuJcaAXXN5Dakeyq4K1fy0e/FJvFhOGAc00Fj9HumkZQzoohksjC16RIH+icWn0WfYZpEaUjEw9NLsJtM+P6Gs6YByaCOHJhaV1O+ORMFHkBXYNTKiE9eErz+tJHR2ukD6hD0tdE+ivwO63oddsaXqdROKxmeEqsGKLJDLxNyOn3dZj/Dos+w7QIb5lI/9aJYM3Kk4MTQSzE0oU0iURu4jZSrinZ4rWjx2UtG+kTAUMaavQl472uNb7650LKiMTSPoR2UzwrVwiBSDJraGNW4X00Om0evxLGs5f0j8nUC4s+w7QId1FOfymWxumr0ar5fIlM/5SmeI5fCSPotmm2FK4GEWHXoA8nZ0oj/QQGfQ5NNfqS0aALC7F04QPOyBGJRlJsxRBP55DLi6ZU7/idVlhMVDXSf/FqFO+77xA++uDzyOWbW+XDos8wLaI4vSMFvFo+X7Ktz40+j22dD8/xKxHcMOwzLILeNeTF6dnoGtG5vBTXldoBlAlaAHBpIY5wIoNQNNVR+XxJ8YB0aY/RjPSOyUTqe5UX/cn5GN7zladhMRG+9Lv7YTbQerrsepr66gzDFPDaLQVxeXpyEXaLCTdvrZ2aISIcmAiucdxMZXM4Mxc1JLUj2T3kQyKTW5OPv6LBR7+U4lr9c6HmeO4YQbH/TsFhswnpHaDyrNzLi3G858tPIZcX+OYf3oYJjXN+G4FFn2FahMduQSqbRyaXx6HJRewdC2hOmxyYCKqWDUo1zZmrK8jkREOeO6XsVu0YZL1+JpfHTFh7Y5ZE+upfWoytVu50ULmmpN+7asVQMFtrQqQPlLdimA0n8Z6vPI2VVBbfeP9B7Bwo36BnNCz6DNMipP/ObDiJE9PhNVbKtSgdll7PIPRa7BzwwESrHjyz4STyQl/lDqDksP1Oqxrpx2A1k25vnFZQbMXQjFGJxShWDKs9AaFoCu/+ylNYjKXx/73/toY6qvXCos8wLUKOTPz5iyHkBTRt4kp2D/ngsVsKewHHp8Pw2i2GiqnDasa2Pnch0pcNVlq7cYsZ73Xh4oKS3pnodRtuYmYEhQHp0fSql34TmrOA1UqhfF5gOZ7G7371aUwvJ3Df7x3AntFAU96zEs35WGMYZh1eVfQfPTUHi4mwd0z7H7vZRNg33oPDk0pJ3/ErEVw/7DN03iygdOa+MKXcRehtzCpmNOjCiSthmExU0Veo3RTq51eSLUjv2JHNC0wtJfChbz+L8/Mx3HfvAU0b+UbTeR+/DLNJkemdX5ydx01b/XDZ9MVcByd6cPpqFPMrKZyciRi6iSvZPejFpcU4VlJZTC3FYSKlK1gv40EXppYSuLQQxzVbOi+fDxTVz0fTBV+cZqZ3AOB373sav56O4Avv2YeX7+xrynvVgiN9hmkRcjhHKpuvK8I7oPrwPHD4MlLZvCGeO6VIb/3Ts9FCjb7Noj82HO91IauWfnZi5Q6w1oohkszAZjEZ7vcvkfsHlxfj+Kd378Nrdg805X20wKLPMC2iOIrUk8+X3DIagM1swjd+dREADK3ckewaWvXgmaqjXFNSPFqxU0VfWjHMr6SQzOSbltoBlJkFW3uc+PPXX4s33jTUtPfRgqaPcCK6g4hOE9FZIvpomeftRPSA+vzTRDRR9NzH1MdPE9EbjFs6w2ws5EYuEXDruH7Rd1jNuHmrH7ORJBxWE7Y3QUxHAk54HRacmokqjVlBfZU7kuKZtUaPSDSSPo8NoWhKddhsXgzc57Hjyb98Nd6yd2vT3kMrNUWfiMwAPg/gTgDXA3gXEV1fctj7ASwJIXYA+AyAv1XPvR7APQBuAHAHgP+pvh7DdB0yvbN70Ff3EPMD6h3C7iFfUzo3iQi7B314fmoZs5Fk3ZH+oM8Bq5kw4LM3pcvVKGRVjeKl37nrNBItkf5BAGeFEOeFEGkA9wO4u+SYuwF8Xf36ewBeQ0pv+N0A7hdCpIQQkwDOqq/HMF2H22aBzWLCb1yjvT6/FOmv34zUjmTXkBfPXwlD1FGjLzGblNr8HR1ov1CMtGKIJDJNsVXuRLT8lCMALhd9PwXgtkrHCCGyRBQG0Ks+/lTJuSN1r5ZhNjAmE+Hb/+4l2NFAWmb/RA/Ggi68ale/gStby65BH6SLc72iDwB/9/ZbCrOBO5U+jx2/Or+AvBAYaeBn3UhoEf1y95ClNnCVjtFyLojoAwA+AABjY2MalsQwG5Nbx3saOt/rsOLxv3iVQaspj9zMBeprzJI0+rO2gj6PHctxWaPfHZG+lvTOFIDRou+3ApiudAwRWQD4ASxqPBdCiC8JIfYLIfb39zcvgmEYpjbXqR4wZhMZYtvcyciyzeV4c4aidyJaRP8wgJ1EtI2IbFA2Zh8qOeYhAPeqX78dwKNCGfPzEIB71OqebQB2AjhkzNIZhmkGbrsF470uDPocHWmfYCTSigFongVDp1HzfkbN0X8IwI8BmAHcJ4Q4QUSfBHBECPEQgH06eRIAAAV+SURBVK8C+AYRnYUS4d+jnnuCiL4D4NcAsgD+WAiRa9LPwjCMQbzp5uE1U742K9KKAWheN26noemnFEI8DODhksc+XvR1EsA7Kpz7KQCfamCNDMO0mI+84bp2L6ElSCsGoHm+O53G5r53YxiGqUJfseg3sTmrk2DRZxima3HazIWmOW7OYhiG6QLkZi6ndxiGYboAmeLh9A7DMEwXIGv1Ob3DMAzTBfR57DAR4LZ1tmWEUXTH/QzDMEwF3nlgFBN9bigekZsfFn2GYbqaG0f8TRk92alweodhGKaLYNFnGIbpIlj0GYZhuggWfYZhmC6CRZ9hGKaLYNFnGIbpIlj0GYZhuggWfYZhmC6ChFg3p7ytEFEIwMU2L6MPwHyb16AFXqexbJR1AhtnrbxOY6m2znEhRM0h4x0n+p0AER0RQuxv9zpqwes0lo2yTmDjrJXXaSxGrJPTOwzDMF0Eiz7DMEwXwaJfni+1ewEa4XUay0ZZJ7Bx1srrNJaG18k5fYZhmC6CI32GYZgugkW/CCK6QEQvENExIjrS7vUUQ0T3EdEcER0veixIRI8Q0Rn1/z3tXKO6pnLr/GsiuqJe12NE9MZ2rlFd0ygRPUZEJ4noBBH9ifp4R13TKuvsqGtKRA4iOkREz6nr/H/Vx7cR0dPq9XyAiGztXGeNtX6NiCaLrumedq8VAIjITERHieh/q983dE1Z9NfzKiHEng4s3/oagDtKHvsogJ8KIXYC+Kn6fbv5GtavEwA+o17XPUKIh1u8pnJkAfy5EGI3gJcA+GMiuh6dd00rrRPorGuaAvBqIcQtAPYAuIOIXgLgb6GscyeAJQDvb+MaJZXWCgD/qeiaHmvfEtfwJwBOFn3f0DVl0d8gCCEeB7BY8vDdAL6ufv11AG9u6aLKUGGdHYcQYkYI8az6dRTKH9UIOuyaVllnRyEUVtRvrep/AsCrAXxPfbzt1xOoutaOg4i2AvgtAF9Rvyc0eE1Z9NciAPwbET1DRB9o92I0MCCEmAEUcQCwpc3rqcaHiOh5Nf3T9jRUMUQ0AWAvgKfRwde0ZJ1Ah11TNQ1xDMAcgEcAnAOwLITIqodMoUM+sErXKoSQ1/RT6jX9DBHZ27hEyWcB/AWAvPp9Lxq8piz6a3mZEGIfgDuh3Ebf3u4FbRK+AOAaKLfSMwA+3d7lrEJEHgAPAviwECLS7vVUosw6O+6aCiFyQog9ALYCOAhgd7nDWruq8pSulYhuBPAxALsAHAAQBPCXbVwiiOi3AcwJIZ4pfrjMobquKYt+EUKIafX/cwB+AOUfbidzlYiGAED9/1yb11MWIcRV9Y8sD+DL6JDrSkRWKEL6TSHE99WHO+6alltnp15TABBCLAP4GZQ9iAARWdSntgKYbte6ylG01jvUVJoQQqQA/C+0/5q+DMBdRHQBwP1Q0jqfRYPXlEVfhYjcROSVXwN4PYDj1c9qOw8BuFf9+l4AP2zjWioiRVTlLeiA66rmRr8K4KQQ4h+Knuqoa1ppnZ12TYmon4gC6tdOAK+Fsv/wGIC3q4e1/XoCFdd6qujDnqDkydt6TYUQHxNCbBVCTAC4B8CjQoj3oMFrys1ZKkS0HUp0DwAWAN8SQnyqjUtaAxF9G8ArobjsXQXwCQD/AuA7AMYAXALwDiFEWzdRK6zzlVDSEALABQB/JPPm7YKIXg7gCQAvYDVf+p+h5Ms75ppWWee70EHXlIhuhrKpaIYSTH5HCPFJ9e/qfijpkqMA3qtG0m2jylofBdAPJYVyDMAHizZ82woRvRLAR4QQv93oNWXRZxiG6SI4vcMwDNNFsOgzDMN0ESz6DMMwXQSLPsMwTBfBos8wDNNFsOgzDMN0ESz6DMMwXQSLPsMwTBfx/wN8JLyfAztLeAAAAABJRU5ErkJggg=="/>
+          <p:cNvSpPr>
+            <a:spLocks noChangeAspect="1" noChangeArrowheads="1"/>
+          </p:cNvSpPr>
+          <p:nvPr/>
+        </p:nvSpPr>
+        <p:spPr bwMode="auto">
+          <a:xfrm>
+            <a:off x="155575" y="-144463"/>
+            <a:ext cx="304800" cy="304801"/>
+          </a:xfrm>
+          <a:prstGeom prst="rect">
+            <a:avLst/>
+          </a:prstGeom>
+          <a:noFill/>
+          <a:extLst>
+            <a:ext uri="{909E8E84-426E-40DD-AFC4-6F175D3DCCD1}">
+              <a14:hiddenFill xmlns:a14="http://schemas.microsoft.com/office/drawing/2010/main">
+                <a:solidFill>
+                  <a:srgbClr val="FFFFFF"/>
+                </a:solidFill>
+              </a14:hiddenFill>
+            </a:ext>
+          </a:extLst>
+        </p:spPr>
+        <p:txBody>
+          <a:bodyPr vert="horz" wrap="square" lIns="91440" tIns="45720" rIns="91440" bIns="45720" numCol="1" anchor="t" anchorCtr="0" compatLnSpc="1">
+            <a:prstTxWarp prst="textNoShape">
+              <a:avLst/>
+            </a:prstTxWarp>
+          </a:bodyPr>
+          <a:lstStyle/>
+          <a:p>
+            <a:endParaRPr lang="he-IL"/>
+          </a:p>
+        </p:txBody>
+      </p:sp>
+      <p:pic>
+        <p:nvPicPr>
+          <p:cNvPr id="4" name="Picture 3"/>
+          <p:cNvPicPr>
+            <a:picLocks noChangeAspect="1"/>
+          </p:cNvPicPr>
+          <p:nvPr/>
+        </p:nvPicPr>
+        <p:blipFill>
+          <a:blip r:embed="rId2"/>
+          <a:stretch>
+            <a:fillRect/>
+          </a:stretch>
+        </p:blipFill>
+        <p:spPr>
+          <a:xfrm>
+            <a:off x="6192092" y="3926915"/>
+            <a:ext cx="4445857" cy="2808508"/>
+          </a:xfrm>
+          <a:prstGeom prst="rect">
+            <a:avLst/>
+          </a:prstGeom>
+        </p:spPr>
+      </p:pic>
+    </p:spTree>
+    <p:extLst>
+      <p:ext uri="{BB962C8B-B14F-4D97-AF65-F5344CB8AC3E}">
+        <p14:creationId xmlns:p14="http://schemas.microsoft.com/office/powerpoint/2010/main" val="2368106969"/>
+      </p:ext>
+    </p:extLst>
+  </p:cSld>
+  <p:clrMapOvr>
+    <a:masterClrMapping/>
+  </p:clrMapOvr>
+</p:sld>
+</file>
+
+<file path=ppt/slides/slide14.xml><?xml version="1.0" encoding="utf-8"?>
+<p:sld xmlns:a="http://schemas.openxmlformats.org/drawingml/2006/main" xmlns:r="http://schemas.openxmlformats.org/officeDocument/2006/relationships" xmlns:p="http://schemas.openxmlformats.org/presentationml/2006/main">
+  <p:cSld>
+    <p:spTree>
+      <p:nvGrpSpPr>
+        <p:cNvPr id="1" name=""/>
+        <p:cNvGrpSpPr/>
+        <p:nvPr/>
+      </p:nvGrpSpPr>
+      <p:grpSpPr>
+        <a:xfrm>
+          <a:off x="0" y="0"/>
+          <a:ext cx="0" cy="0"/>
+          <a:chOff x="0" y="0"/>
+          <a:chExt cx="0" cy="0"/>
+        </a:xfrm>
+      </p:grpSpPr>
+      <p:sp>
+        <p:nvSpPr>
+          <p:cNvPr id="2" name="Title 1"/>
+          <p:cNvSpPr>
+            <a:spLocks noGrp="1"/>
+          </p:cNvSpPr>
+          <p:nvPr>
+            <p:ph type="title"/>
+          </p:nvPr>
+        </p:nvSpPr>
+        <p:spPr/>
+        <p:txBody>
+          <a:bodyPr/>
+          <a:lstStyle/>
+          <a:p>
+            <a:r>
+              <a:rPr lang="en-US" dirty="0"/>
+              <a:t>Methodology – choosing k value </a:t>
+            </a:r>
+            <a:endParaRPr lang="he-IL" dirty="0"/>
+          </a:p>
+        </p:txBody>
+      </p:sp>
+      <p:sp>
+        <p:nvSpPr>
+          <p:cNvPr id="3" name="Content Placeholder 2"/>
+          <p:cNvSpPr>
+            <a:spLocks noGrp="1"/>
+          </p:cNvSpPr>
+          <p:nvPr>
+            <p:ph idx="1"/>
+          </p:nvPr>
+        </p:nvSpPr>
+        <p:spPr/>
+        <p:txBody>
+          <a:bodyPr/>
+          <a:lstStyle/>
+          <a:p>
+            <a:pPr algn="l" rtl="0"/>
+            <a:r>
+              <a:rPr lang="en-GB" dirty="0" smtClean="0"/>
+              <a:t>A local maximum was observed in the </a:t>
+            </a:r>
+            <a:r>
+              <a:rPr lang="en-US" dirty="0" smtClean="0"/>
+              <a:t>~32 </a:t>
+            </a:r>
+            <a:r>
+              <a:rPr lang="en-US" dirty="0" smtClean="0"/>
+              <a:t>area, so we decided to zoom the graph on that area.</a:t>
+            </a:r>
+          </a:p>
+          <a:p>
+            <a:pPr algn="l" rtl="0"/>
+            <a:r>
+              <a:rPr lang="en-US" dirty="0" smtClean="0"/>
+              <a:t>After some Testing 29 was chosen as</a:t>
+            </a:r>
+          </a:p>
+          <a:p>
+            <a:pPr marL="0" indent="0" algn="l" rtl="0">
+              <a:buNone/>
+            </a:pPr>
+            <a:r>
+              <a:rPr lang="en-US" dirty="0"/>
+              <a:t> </a:t>
+            </a:r>
+            <a:r>
+              <a:rPr lang="en-US" dirty="0" smtClean="0"/>
+              <a:t>    since it yielded the best clusters.</a:t>
+            </a:r>
+            <a:endParaRPr lang="he-IL" dirty="0"/>
+          </a:p>
+        </p:txBody>
+      </p:sp>
+      <p:pic>
+        <p:nvPicPr>
+          <p:cNvPr id="5" name="Picture 4"/>
+          <p:cNvPicPr>
+            <a:picLocks noChangeAspect="1"/>
+          </p:cNvPicPr>
+          <p:nvPr/>
+        </p:nvPicPr>
+        <p:blipFill>
+          <a:blip r:embed="rId2"/>
+          <a:stretch>
+            <a:fillRect/>
+          </a:stretch>
+        </p:blipFill>
+        <p:spPr>
+          <a:xfrm>
+            <a:off x="5847611" y="3111499"/>
+            <a:ext cx="5885043" cy="3698331"/>
+          </a:xfrm>
+          <a:prstGeom prst="rect">
+            <a:avLst/>
+          </a:prstGeom>
+        </p:spPr>
+      </p:pic>
+    </p:spTree>
+    <p:extLst>
+      <p:ext uri="{BB962C8B-B14F-4D97-AF65-F5344CB8AC3E}">
+        <p14:creationId xmlns:p14="http://schemas.microsoft.com/office/powerpoint/2010/main" val="3412399292"/>
+      </p:ext>
+    </p:extLst>
+  </p:cSld>
+  <p:clrMapOvr>
+    <a:masterClrMapping/>
+  </p:clrMapOvr>
+</p:sld>
+</file>
+
+<file path=ppt/slides/slide15.xml><?xml version="1.0" encoding="utf-8"?>
+<p:sld xmlns:a="http://schemas.openxmlformats.org/drawingml/2006/main" xmlns:r="http://schemas.openxmlformats.org/officeDocument/2006/relationships" xmlns:p="http://schemas.openxmlformats.org/presentationml/2006/main">
+  <p:cSld>
+    <p:spTree>
+      <p:nvGrpSpPr>
+        <p:cNvPr id="1" name=""/>
+        <p:cNvGrpSpPr/>
+        <p:nvPr/>
+      </p:nvGrpSpPr>
+      <p:grpSpPr>
+        <a:xfrm>
+          <a:off x="0" y="0"/>
+          <a:ext cx="0" cy="0"/>
+          <a:chOff x="0" y="0"/>
+          <a:chExt cx="0" cy="0"/>
+        </a:xfrm>
+      </p:grpSpPr>
+      <p:sp>
+        <p:nvSpPr>
+          <p:cNvPr id="2" name="Title 1"/>
+          <p:cNvSpPr>
+            <a:spLocks noGrp="1"/>
+          </p:cNvSpPr>
+          <p:nvPr>
+            <p:ph type="title"/>
+          </p:nvPr>
+        </p:nvSpPr>
+        <p:spPr/>
+        <p:txBody>
+          <a:bodyPr/>
+          <a:lstStyle/>
+          <a:p>
+            <a:r>
+              <a:rPr lang="en-US" dirty="0" smtClean="0"/>
+              <a:t>Methodology - Validation</a:t>
+            </a:r>
+            <a:endParaRPr lang="he-IL" dirty="0"/>
+          </a:p>
+        </p:txBody>
+      </p:sp>
+      <p:sp>
+        <p:nvSpPr>
+          <p:cNvPr id="3" name="Content Placeholder 2"/>
+          <p:cNvSpPr>
+            <a:spLocks noGrp="1"/>
+          </p:cNvSpPr>
+          <p:nvPr>
+            <p:ph idx="1"/>
+          </p:nvPr>
+        </p:nvSpPr>
+        <p:spPr/>
+        <p:txBody>
+          <a:bodyPr/>
+          <a:lstStyle/>
+          <a:p>
+            <a:pPr algn="l" rtl="0"/>
+            <a:r>
+              <a:rPr lang="en-US" dirty="0" smtClean="0"/>
+              <a:t>To validate our results, we used common sense by checking the 10 most common venues in each neighborhood and see if they make sense in “sister neighborhoods” concept we planned:.</a:t>
+            </a:r>
+            <a:endParaRPr lang="he-IL" dirty="0"/>
+          </a:p>
+        </p:txBody>
+      </p:sp>
+      <p:pic>
+        <p:nvPicPr>
+          <p:cNvPr id="5" name="Picture 4"/>
+          <p:cNvPicPr>
+            <a:picLocks noChangeAspect="1"/>
+          </p:cNvPicPr>
+          <p:nvPr/>
+        </p:nvPicPr>
+        <p:blipFill>
+          <a:blip r:embed="rId2"/>
+          <a:stretch>
+            <a:fillRect/>
+          </a:stretch>
+        </p:blipFill>
+        <p:spPr>
+          <a:xfrm>
+            <a:off x="1154954" y="3789608"/>
+            <a:ext cx="9591675" cy="1828800"/>
+          </a:xfrm>
+          <a:prstGeom prst="rect">
+            <a:avLst/>
+          </a:prstGeom>
+        </p:spPr>
+      </p:pic>
+    </p:spTree>
+    <p:extLst>
+      <p:ext uri="{BB962C8B-B14F-4D97-AF65-F5344CB8AC3E}">
+        <p14:creationId xmlns:p14="http://schemas.microsoft.com/office/powerpoint/2010/main" val="3989385004"/>
+      </p:ext>
+    </p:extLst>
+  </p:cSld>
+  <p:clrMapOvr>
+    <a:masterClrMapping/>
+  </p:clrMapOvr>
+</p:sld>
+</file>
+
+<file path=ppt/slides/slide16.xml><?xml version="1.0" encoding="utf-8"?>
+<p:sld xmlns:a="http://schemas.openxmlformats.org/drawingml/2006/main" xmlns:r="http://schemas.openxmlformats.org/officeDocument/2006/relationships" xmlns:p="http://schemas.openxmlformats.org/presentationml/2006/main">
+  <p:cSld>
+    <p:spTree>
+      <p:nvGrpSpPr>
+        <p:cNvPr id="1" name=""/>
+        <p:cNvGrpSpPr/>
+        <p:nvPr/>
+      </p:nvGrpSpPr>
+      <p:grpSpPr>
+        <a:xfrm>
+          <a:off x="0" y="0"/>
+          <a:ext cx="0" cy="0"/>
+          <a:chOff x="0" y="0"/>
+          <a:chExt cx="0" cy="0"/>
+        </a:xfrm>
+      </p:grpSpPr>
+      <p:sp>
+        <p:nvSpPr>
+          <p:cNvPr id="2" name="Title 1"/>
+          <p:cNvSpPr>
+            <a:spLocks noGrp="1"/>
+          </p:cNvSpPr>
+          <p:nvPr>
+            <p:ph type="title"/>
+          </p:nvPr>
+        </p:nvSpPr>
+        <p:spPr/>
+        <p:txBody>
+          <a:bodyPr/>
+          <a:lstStyle/>
+          <a:p>
+            <a:r>
+              <a:rPr lang="en-US" dirty="0" smtClean="0"/>
+              <a:t>Results - Clusters</a:t>
+            </a:r>
+            <a:endParaRPr lang="he-IL" dirty="0"/>
+          </a:p>
+        </p:txBody>
+      </p:sp>
+      <p:sp>
+        <p:nvSpPr>
+          <p:cNvPr id="3" name="Content Placeholder 2"/>
+          <p:cNvSpPr>
+            <a:spLocks noGrp="1"/>
+          </p:cNvSpPr>
+          <p:nvPr>
+            <p:ph idx="1"/>
+          </p:nvPr>
+        </p:nvSpPr>
+        <p:spPr>
+          <a:xfrm>
+            <a:off x="1154955" y="2384559"/>
+            <a:ext cx="4875214" cy="3883874"/>
+          </a:xfrm>
+        </p:spPr>
+        <p:txBody>
+          <a:bodyPr>
+            <a:normAutofit/>
+          </a:bodyPr>
+          <a:lstStyle/>
+          <a:p>
+            <a:pPr algn="l" rtl="0"/>
+            <a:r>
+              <a:rPr lang="en-US" dirty="0" smtClean="0"/>
+              <a:t>After the training, we checked to see neighborhood distribution in each cluster.</a:t>
+            </a:r>
+          </a:p>
+          <a:p>
+            <a:pPr algn="l" rtl="0"/>
+            <a:r>
+              <a:rPr lang="en-US" dirty="0" smtClean="0"/>
+              <a:t>Unfourtentley we have created only 6 useful clusters – (0,1,4,6,7,26).</a:t>
+            </a:r>
+          </a:p>
+          <a:p>
+            <a:pPr algn="l" rtl="0"/>
+            <a:r>
+              <a:rPr lang="en-US" dirty="0" smtClean="0"/>
+              <a:t>The other clusters contained neighborhoods that are not similar enough to be clustered.</a:t>
+            </a:r>
+          </a:p>
+          <a:p>
+            <a:pPr algn="l" rtl="0"/>
+            <a:r>
+              <a:rPr lang="en-US" dirty="0" smtClean="0"/>
+              <a:t>Let’s check and characterize each of “interesting” cluster.</a:t>
+            </a:r>
+          </a:p>
+          <a:p>
+            <a:pPr algn="l" rtl="0"/>
+            <a:endParaRPr lang="he-IL" dirty="0"/>
+          </a:p>
+        </p:txBody>
+      </p:sp>
+      <p:pic>
+        <p:nvPicPr>
+          <p:cNvPr id="6" name="Picture 5"/>
+          <p:cNvPicPr>
+            <a:picLocks noChangeAspect="1"/>
+          </p:cNvPicPr>
+          <p:nvPr/>
+        </p:nvPicPr>
+        <p:blipFill>
+          <a:blip r:embed="rId2"/>
+          <a:stretch>
+            <a:fillRect/>
+          </a:stretch>
+        </p:blipFill>
+        <p:spPr>
+          <a:xfrm>
+            <a:off x="6101605" y="1801208"/>
+            <a:ext cx="1943100" cy="4467225"/>
+          </a:xfrm>
+          <a:prstGeom prst="rect">
+            <a:avLst/>
+          </a:prstGeom>
+        </p:spPr>
+      </p:pic>
+      <p:pic>
+        <p:nvPicPr>
+          <p:cNvPr id="7" name="Picture 6"/>
+          <p:cNvPicPr>
+            <a:picLocks noChangeAspect="1"/>
+          </p:cNvPicPr>
+          <p:nvPr/>
+        </p:nvPicPr>
+        <p:blipFill>
+          <a:blip r:embed="rId3"/>
+          <a:stretch>
+            <a:fillRect/>
+          </a:stretch>
+        </p:blipFill>
+        <p:spPr>
+          <a:xfrm>
+            <a:off x="8116142" y="2384559"/>
+            <a:ext cx="1800225" cy="3895725"/>
+          </a:xfrm>
+          <a:prstGeom prst="rect">
+            <a:avLst/>
+          </a:prstGeom>
+        </p:spPr>
+      </p:pic>
+      <p:pic>
+        <p:nvPicPr>
+          <p:cNvPr id="8" name="Picture 7"/>
+          <p:cNvPicPr>
+            <a:picLocks noChangeAspect="1"/>
+          </p:cNvPicPr>
+          <p:nvPr/>
+        </p:nvPicPr>
+        <p:blipFill>
+          <a:blip r:embed="rId4"/>
+          <a:stretch>
+            <a:fillRect/>
+          </a:stretch>
+        </p:blipFill>
+        <p:spPr>
+          <a:xfrm>
+            <a:off x="9916367" y="4508634"/>
+            <a:ext cx="1724025" cy="1771650"/>
+          </a:xfrm>
+          <a:prstGeom prst="rect">
+            <a:avLst/>
+          </a:prstGeom>
+        </p:spPr>
+      </p:pic>
+    </p:spTree>
+    <p:extLst>
+      <p:ext uri="{BB962C8B-B14F-4D97-AF65-F5344CB8AC3E}">
+        <p14:creationId xmlns:p14="http://schemas.microsoft.com/office/powerpoint/2010/main" val="3254606255"/>
+      </p:ext>
+    </p:extLst>
+  </p:cSld>
+  <p:clrMapOvr>
+    <a:masterClrMapping/>
+  </p:clrMapOvr>
+</p:sld>
+</file>
+
+<file path=ppt/slides/slide17.xml><?xml version="1.0" encoding="utf-8"?>
+<p:sld xmlns:a="http://schemas.openxmlformats.org/drawingml/2006/main" xmlns:r="http://schemas.openxmlformats.org/officeDocument/2006/relationships" xmlns:p="http://schemas.openxmlformats.org/presentationml/2006/main">
+  <p:cSld>
+    <p:spTree>
+      <p:nvGrpSpPr>
+        <p:cNvPr id="1" name=""/>
+        <p:cNvGrpSpPr/>
+        <p:nvPr/>
+      </p:nvGrpSpPr>
+      <p:grpSpPr>
+        <a:xfrm>
+          <a:off x="0" y="0"/>
+          <a:ext cx="0" cy="0"/>
+          <a:chOff x="0" y="0"/>
+          <a:chExt cx="0" cy="0"/>
+        </a:xfrm>
+      </p:grpSpPr>
+      <p:sp>
+        <p:nvSpPr>
+          <p:cNvPr id="2" name="Title 1"/>
+          <p:cNvSpPr>
+            <a:spLocks noGrp="1"/>
+          </p:cNvSpPr>
+          <p:nvPr>
+            <p:ph type="title"/>
+          </p:nvPr>
+        </p:nvSpPr>
+        <p:spPr/>
+        <p:txBody>
+          <a:bodyPr/>
+          <a:lstStyle/>
+          <a:p>
+            <a:r>
+              <a:rPr lang="en-US" dirty="0" smtClean="0"/>
+              <a:t>Results – Cluster 0</a:t>
+            </a:r>
+            <a:r>
+              <a:rPr lang="en-GB" dirty="0" smtClean="0"/>
+              <a:t> – Asian Style</a:t>
+            </a:r>
+            <a:endParaRPr lang="he-IL" dirty="0"/>
+          </a:p>
+        </p:txBody>
+      </p:sp>
+      <p:pic>
+        <p:nvPicPr>
+          <p:cNvPr id="5" name="Picture 4"/>
+          <p:cNvPicPr>
+            <a:picLocks noChangeAspect="1"/>
+          </p:cNvPicPr>
+          <p:nvPr/>
+        </p:nvPicPr>
+        <p:blipFill>
+          <a:blip r:embed="rId2"/>
+          <a:stretch>
+            <a:fillRect/>
+          </a:stretch>
+        </p:blipFill>
+        <p:spPr>
+          <a:xfrm>
+            <a:off x="3401265" y="2136962"/>
+            <a:ext cx="8562975" cy="4610100"/>
+          </a:xfrm>
+          <a:prstGeom prst="rect">
+            <a:avLst/>
+          </a:prstGeom>
+        </p:spPr>
+      </p:pic>
+    </p:spTree>
+    <p:extLst>
+      <p:ext uri="{BB962C8B-B14F-4D97-AF65-F5344CB8AC3E}">
+        <p14:creationId xmlns:p14="http://schemas.microsoft.com/office/powerpoint/2010/main" val="1087309459"/>
+      </p:ext>
+    </p:extLst>
+  </p:cSld>
+  <p:clrMapOvr>
+    <a:masterClrMapping/>
+  </p:clrMapOvr>
+</p:sld>
+</file>
+
+<file path=ppt/slides/slide18.xml><?xml version="1.0" encoding="utf-8"?>
+<p:sld xmlns:a="http://schemas.openxmlformats.org/drawingml/2006/main" xmlns:r="http://schemas.openxmlformats.org/officeDocument/2006/relationships" xmlns:p="http://schemas.openxmlformats.org/presentationml/2006/main">
+  <p:cSld>
+    <p:spTree>
+      <p:nvGrpSpPr>
+        <p:cNvPr id="1" name=""/>
+        <p:cNvGrpSpPr/>
+        <p:nvPr/>
+      </p:nvGrpSpPr>
+      <p:grpSpPr>
+        <a:xfrm>
+          <a:off x="0" y="0"/>
+          <a:ext cx="0" cy="0"/>
+          <a:chOff x="0" y="0"/>
+          <a:chExt cx="0" cy="0"/>
+        </a:xfrm>
+      </p:grpSpPr>
+      <p:sp>
+        <p:nvSpPr>
+          <p:cNvPr id="2" name="Title 1"/>
+          <p:cNvSpPr>
+            <a:spLocks noGrp="1"/>
+          </p:cNvSpPr>
+          <p:nvPr>
+            <p:ph type="title"/>
+          </p:nvPr>
+        </p:nvSpPr>
+        <p:spPr/>
+        <p:txBody>
+          <a:bodyPr/>
+          <a:lstStyle/>
+          <a:p>
+            <a:r>
+              <a:rPr lang="en-US" dirty="0" smtClean="0"/>
+              <a:t>Results – Cluster 1 – Quite Living</a:t>
+            </a:r>
+            <a:endParaRPr lang="he-IL" dirty="0"/>
+          </a:p>
+        </p:txBody>
+      </p:sp>
+      <p:pic>
+        <p:nvPicPr>
+          <p:cNvPr id="3" name="Picture 2"/>
+          <p:cNvPicPr>
+            <a:picLocks noChangeAspect="1"/>
+          </p:cNvPicPr>
+          <p:nvPr/>
+        </p:nvPicPr>
+        <p:blipFill>
+          <a:blip r:embed="rId2"/>
+          <a:stretch>
+            <a:fillRect/>
+          </a:stretch>
+        </p:blipFill>
+        <p:spPr>
+          <a:xfrm>
+            <a:off x="3223092" y="2964236"/>
+            <a:ext cx="8524875" cy="2543175"/>
+          </a:xfrm>
+          <a:prstGeom prst="rect">
+            <a:avLst/>
+          </a:prstGeom>
+        </p:spPr>
+      </p:pic>
+    </p:spTree>
+    <p:extLst>
+      <p:ext uri="{BB962C8B-B14F-4D97-AF65-F5344CB8AC3E}">
+        <p14:creationId xmlns:p14="http://schemas.microsoft.com/office/powerpoint/2010/main" val="2959888344"/>
+      </p:ext>
+    </p:extLst>
+  </p:cSld>
+  <p:clrMapOvr>
+    <a:masterClrMapping/>
+  </p:clrMapOvr>
+</p:sld>
+</file>
+
+<file path=ppt/slides/slide19.xml><?xml version="1.0" encoding="utf-8"?>
+<p:sld xmlns:a="http://schemas.openxmlformats.org/drawingml/2006/main" xmlns:r="http://schemas.openxmlformats.org/officeDocument/2006/relationships" xmlns:p="http://schemas.openxmlformats.org/presentationml/2006/main">
+  <p:cSld>
+    <p:spTree>
+      <p:nvGrpSpPr>
+        <p:cNvPr id="1" name=""/>
+        <p:cNvGrpSpPr/>
+        <p:nvPr/>
+      </p:nvGrpSpPr>
+      <p:grpSpPr>
+        <a:xfrm>
+          <a:off x="0" y="0"/>
+          <a:ext cx="0" cy="0"/>
+          <a:chOff x="0" y="0"/>
+          <a:chExt cx="0" cy="0"/>
+        </a:xfrm>
+      </p:grpSpPr>
+      <p:sp>
+        <p:nvSpPr>
+          <p:cNvPr id="2" name="Title 1"/>
+          <p:cNvSpPr>
+            <a:spLocks noGrp="1"/>
+          </p:cNvSpPr>
+          <p:nvPr>
+            <p:ph type="title"/>
+          </p:nvPr>
+        </p:nvSpPr>
+        <p:spPr/>
+        <p:txBody>
+          <a:bodyPr/>
+          <a:lstStyle/>
+          <a:p>
+            <a:r>
+              <a:rPr lang="en-US" dirty="0" smtClean="0"/>
+              <a:t>Results – Cluster 4</a:t>
+            </a:r>
+            <a:r>
+              <a:rPr lang="en-GB" dirty="0" smtClean="0"/>
+              <a:t> – Country Side</a:t>
+            </a:r>
+            <a:endParaRPr lang="he-IL" dirty="0"/>
+          </a:p>
+        </p:txBody>
+      </p:sp>
+      <p:pic>
+        <p:nvPicPr>
+          <p:cNvPr id="3" name="Picture 2"/>
+          <p:cNvPicPr>
+            <a:picLocks noChangeAspect="1"/>
+          </p:cNvPicPr>
+          <p:nvPr/>
+        </p:nvPicPr>
+        <p:blipFill>
+          <a:blip r:embed="rId2"/>
+          <a:stretch>
+            <a:fillRect/>
+          </a:stretch>
+        </p:blipFill>
+        <p:spPr>
+          <a:xfrm>
+            <a:off x="3138208" y="2708741"/>
+            <a:ext cx="8515350" cy="3305175"/>
+          </a:xfrm>
+          <a:prstGeom prst="rect">
+            <a:avLst/>
+          </a:prstGeom>
+        </p:spPr>
+      </p:pic>
+    </p:spTree>
+    <p:extLst>
+      <p:ext uri="{BB962C8B-B14F-4D97-AF65-F5344CB8AC3E}">
+        <p14:creationId xmlns:p14="http://schemas.microsoft.com/office/powerpoint/2010/main" val="2002712465"/>
+      </p:ext>
+    </p:extLst>
+  </p:cSld>
+  <p:clrMapOvr>
+    <a:masterClrMapping/>
+  </p:clrMapOvr>
+</p:sld>
+</file>
+
 <file path=ppt/slides/slide2.xml><?xml version="1.0" encoding="utf-8"?>
 <p:sld xmlns:a="http://schemas.openxmlformats.org/drawingml/2006/main" xmlns:r="http://schemas.openxmlformats.org/officeDocument/2006/relationships" xmlns:p="http://schemas.openxmlformats.org/presentationml/2006/main">
   <p:cSld>
@@ -13437,6 +14905,339 @@
     <p:extLst>
       <p:ext uri="{BB962C8B-B14F-4D97-AF65-F5344CB8AC3E}">
         <p14:creationId xmlns:p14="http://schemas.microsoft.com/office/powerpoint/2010/main" val="3175867804"/>
+      </p:ext>
+    </p:extLst>
+  </p:cSld>
+  <p:clrMapOvr>
+    <a:masterClrMapping/>
+  </p:clrMapOvr>
+</p:sld>
+</file>
+
+<file path=ppt/slides/slide20.xml><?xml version="1.0" encoding="utf-8"?>
+<p:sld xmlns:a="http://schemas.openxmlformats.org/drawingml/2006/main" xmlns:r="http://schemas.openxmlformats.org/officeDocument/2006/relationships" xmlns:p="http://schemas.openxmlformats.org/presentationml/2006/main">
+  <p:cSld>
+    <p:spTree>
+      <p:nvGrpSpPr>
+        <p:cNvPr id="1" name=""/>
+        <p:cNvGrpSpPr/>
+        <p:nvPr/>
+      </p:nvGrpSpPr>
+      <p:grpSpPr>
+        <a:xfrm>
+          <a:off x="0" y="0"/>
+          <a:ext cx="0" cy="0"/>
+          <a:chOff x="0" y="0"/>
+          <a:chExt cx="0" cy="0"/>
+        </a:xfrm>
+      </p:grpSpPr>
+      <p:sp>
+        <p:nvSpPr>
+          <p:cNvPr id="2" name="Title 1"/>
+          <p:cNvSpPr>
+            <a:spLocks noGrp="1"/>
+          </p:cNvSpPr>
+          <p:nvPr>
+            <p:ph type="title"/>
+          </p:nvPr>
+        </p:nvSpPr>
+        <p:spPr/>
+        <p:txBody>
+          <a:bodyPr/>
+          <a:lstStyle/>
+          <a:p>
+            <a:r>
+              <a:rPr lang="en-US" dirty="0" smtClean="0"/>
+              <a:t>Results – Cluster 6 – Upscale Housing</a:t>
+            </a:r>
+            <a:endParaRPr lang="he-IL" dirty="0"/>
+          </a:p>
+        </p:txBody>
+      </p:sp>
+      <p:pic>
+        <p:nvPicPr>
+          <p:cNvPr id="3" name="Picture 2"/>
+          <p:cNvPicPr>
+            <a:picLocks noChangeAspect="1"/>
+          </p:cNvPicPr>
+          <p:nvPr/>
+        </p:nvPicPr>
+        <p:blipFill>
+          <a:blip r:embed="rId2"/>
+          <a:stretch>
+            <a:fillRect/>
+          </a:stretch>
+        </p:blipFill>
+        <p:spPr>
+          <a:xfrm>
+            <a:off x="3169303" y="2455209"/>
+            <a:ext cx="8524875" cy="4152900"/>
+          </a:xfrm>
+          <a:prstGeom prst="rect">
+            <a:avLst/>
+          </a:prstGeom>
+        </p:spPr>
+      </p:pic>
+    </p:spTree>
+    <p:extLst>
+      <p:ext uri="{BB962C8B-B14F-4D97-AF65-F5344CB8AC3E}">
+        <p14:creationId xmlns:p14="http://schemas.microsoft.com/office/powerpoint/2010/main" val="2901012603"/>
+      </p:ext>
+    </p:extLst>
+  </p:cSld>
+  <p:clrMapOvr>
+    <a:masterClrMapping/>
+  </p:clrMapOvr>
+</p:sld>
+</file>
+
+<file path=ppt/slides/slide21.xml><?xml version="1.0" encoding="utf-8"?>
+<p:sld xmlns:a="http://schemas.openxmlformats.org/drawingml/2006/main" xmlns:r="http://schemas.openxmlformats.org/officeDocument/2006/relationships" xmlns:p="http://schemas.openxmlformats.org/presentationml/2006/main">
+  <p:cSld>
+    <p:spTree>
+      <p:nvGrpSpPr>
+        <p:cNvPr id="1" name=""/>
+        <p:cNvGrpSpPr/>
+        <p:nvPr/>
+      </p:nvGrpSpPr>
+      <p:grpSpPr>
+        <a:xfrm>
+          <a:off x="0" y="0"/>
+          <a:ext cx="0" cy="0"/>
+          <a:chOff x="0" y="0"/>
+          <a:chExt cx="0" cy="0"/>
+        </a:xfrm>
+      </p:grpSpPr>
+      <p:sp>
+        <p:nvSpPr>
+          <p:cNvPr id="2" name="Title 1"/>
+          <p:cNvSpPr>
+            <a:spLocks noGrp="1"/>
+          </p:cNvSpPr>
+          <p:nvPr>
+            <p:ph type="title"/>
+          </p:nvPr>
+        </p:nvSpPr>
+        <p:spPr/>
+        <p:txBody>
+          <a:bodyPr/>
+          <a:lstStyle/>
+          <a:p>
+            <a:r>
+              <a:rPr lang="en-US" dirty="0" smtClean="0"/>
+              <a:t>Results – Cluster 7 – Hip places</a:t>
+            </a:r>
+            <a:endParaRPr lang="he-IL" dirty="0"/>
+          </a:p>
+        </p:txBody>
+      </p:sp>
+      <p:pic>
+        <p:nvPicPr>
+          <p:cNvPr id="3" name="Picture 2"/>
+          <p:cNvPicPr>
+            <a:picLocks noChangeAspect="1"/>
+          </p:cNvPicPr>
+          <p:nvPr/>
+        </p:nvPicPr>
+        <p:blipFill>
+          <a:blip r:embed="rId2"/>
+          <a:stretch>
+            <a:fillRect/>
+          </a:stretch>
+        </p:blipFill>
+        <p:spPr>
+          <a:xfrm>
+            <a:off x="3283884" y="2459691"/>
+            <a:ext cx="8439150" cy="3695700"/>
+          </a:xfrm>
+          <a:prstGeom prst="rect">
+            <a:avLst/>
+          </a:prstGeom>
+        </p:spPr>
+      </p:pic>
+    </p:spTree>
+    <p:extLst>
+      <p:ext uri="{BB962C8B-B14F-4D97-AF65-F5344CB8AC3E}">
+        <p14:creationId xmlns:p14="http://schemas.microsoft.com/office/powerpoint/2010/main" val="3267346728"/>
+      </p:ext>
+    </p:extLst>
+  </p:cSld>
+  <p:clrMapOvr>
+    <a:masterClrMapping/>
+  </p:clrMapOvr>
+</p:sld>
+</file>
+
+<file path=ppt/slides/slide22.xml><?xml version="1.0" encoding="utf-8"?>
+<p:sld xmlns:a="http://schemas.openxmlformats.org/drawingml/2006/main" xmlns:r="http://schemas.openxmlformats.org/officeDocument/2006/relationships" xmlns:p="http://schemas.openxmlformats.org/presentationml/2006/main">
+  <p:cSld>
+    <p:spTree>
+      <p:nvGrpSpPr>
+        <p:cNvPr id="1" name=""/>
+        <p:cNvGrpSpPr/>
+        <p:nvPr/>
+      </p:nvGrpSpPr>
+      <p:grpSpPr>
+        <a:xfrm>
+          <a:off x="0" y="0"/>
+          <a:ext cx="0" cy="0"/>
+          <a:chOff x="0" y="0"/>
+          <a:chExt cx="0" cy="0"/>
+        </a:xfrm>
+      </p:grpSpPr>
+      <p:sp>
+        <p:nvSpPr>
+          <p:cNvPr id="2" name="Title 1"/>
+          <p:cNvSpPr>
+            <a:spLocks noGrp="1"/>
+          </p:cNvSpPr>
+          <p:nvPr>
+            <p:ph type="title"/>
+          </p:nvPr>
+        </p:nvSpPr>
+        <p:spPr/>
+        <p:txBody>
+          <a:bodyPr/>
+          <a:lstStyle/>
+          <a:p>
+            <a:r>
+              <a:rPr lang="en-US" dirty="0" smtClean="0"/>
+              <a:t>Results – Cluster 26 – Business Areas</a:t>
+            </a:r>
+            <a:endParaRPr lang="he-IL" dirty="0"/>
+          </a:p>
+        </p:txBody>
+      </p:sp>
+      <p:pic>
+        <p:nvPicPr>
+          <p:cNvPr id="4" name="Picture 3"/>
+          <p:cNvPicPr>
+            <a:picLocks noChangeAspect="1"/>
+          </p:cNvPicPr>
+          <p:nvPr/>
+        </p:nvPicPr>
+        <p:blipFill>
+          <a:blip r:embed="rId2"/>
+          <a:stretch>
+            <a:fillRect/>
+          </a:stretch>
+        </p:blipFill>
+        <p:spPr>
+          <a:xfrm>
+            <a:off x="3108231" y="2354075"/>
+            <a:ext cx="8467725" cy="4086225"/>
+          </a:xfrm>
+          <a:prstGeom prst="rect">
+            <a:avLst/>
+          </a:prstGeom>
+        </p:spPr>
+      </p:pic>
+    </p:spTree>
+    <p:extLst>
+      <p:ext uri="{BB962C8B-B14F-4D97-AF65-F5344CB8AC3E}">
+        <p14:creationId xmlns:p14="http://schemas.microsoft.com/office/powerpoint/2010/main" val="2457643968"/>
+      </p:ext>
+    </p:extLst>
+  </p:cSld>
+  <p:clrMapOvr>
+    <a:masterClrMapping/>
+  </p:clrMapOvr>
+</p:sld>
+</file>
+
+<file path=ppt/slides/slide23.xml><?xml version="1.0" encoding="utf-8"?>
+<p:sld xmlns:a="http://schemas.openxmlformats.org/drawingml/2006/main" xmlns:r="http://schemas.openxmlformats.org/officeDocument/2006/relationships" xmlns:p="http://schemas.openxmlformats.org/presentationml/2006/main">
+  <p:cSld>
+    <p:spTree>
+      <p:nvGrpSpPr>
+        <p:cNvPr id="1" name=""/>
+        <p:cNvGrpSpPr/>
+        <p:nvPr/>
+      </p:nvGrpSpPr>
+      <p:grpSpPr>
+        <a:xfrm>
+          <a:off x="0" y="0"/>
+          <a:ext cx="0" cy="0"/>
+          <a:chOff x="0" y="0"/>
+          <a:chExt cx="0" cy="0"/>
+        </a:xfrm>
+      </p:grpSpPr>
+      <p:sp>
+        <p:nvSpPr>
+          <p:cNvPr id="2" name="Title 1"/>
+          <p:cNvSpPr>
+            <a:spLocks noGrp="1"/>
+          </p:cNvSpPr>
+          <p:nvPr>
+            <p:ph type="title"/>
+          </p:nvPr>
+        </p:nvSpPr>
+        <p:spPr/>
+        <p:txBody>
+          <a:bodyPr/>
+          <a:lstStyle/>
+          <a:p>
+            <a:r>
+              <a:rPr lang="en-US" dirty="0" smtClean="0"/>
+              <a:t>Conclusions</a:t>
+            </a:r>
+            <a:endParaRPr lang="he-IL" dirty="0"/>
+          </a:p>
+        </p:txBody>
+      </p:sp>
+      <p:sp>
+        <p:nvSpPr>
+          <p:cNvPr id="3" name="Content Placeholder 2"/>
+          <p:cNvSpPr>
+            <a:spLocks noGrp="1"/>
+          </p:cNvSpPr>
+          <p:nvPr>
+            <p:ph idx="1"/>
+          </p:nvPr>
+        </p:nvSpPr>
+        <p:spPr/>
+        <p:txBody>
+          <a:bodyPr/>
+          <a:lstStyle/>
+          <a:p>
+            <a:pPr algn="l" rtl="0"/>
+            <a:r>
+              <a:rPr lang="en-US" dirty="0" smtClean="0"/>
+              <a:t>We had a really partial success.</a:t>
+            </a:r>
+          </a:p>
+          <a:p>
+            <a:pPr algn="l" rtl="0"/>
+            <a:r>
+              <a:rPr lang="en-US" dirty="0" smtClean="0"/>
+              <a:t>The clustering didn’t manage to classify all the neighborhoods and a lot of them were stuck in a single cluster.</a:t>
+            </a:r>
+          </a:p>
+          <a:p>
+            <a:pPr algn="l" rtl="0"/>
+            <a:r>
+              <a:rPr lang="en-US" dirty="0" smtClean="0"/>
+              <a:t>The Clusters that did contain several neighborhoods were relatively cohesive and can be used to partly answer the initial question.</a:t>
+            </a:r>
+          </a:p>
+          <a:p>
+            <a:pPr algn="l" rtl="0"/>
+            <a:r>
+              <a:rPr lang="en-US" dirty="0" smtClean="0"/>
+              <a:t>More features are needed to create a </a:t>
+            </a:r>
+            <a:r>
+              <a:rPr lang="en-US" smtClean="0"/>
+              <a:t>better clustering.</a:t>
+            </a:r>
+            <a:endParaRPr lang="he-IL" dirty="0"/>
+          </a:p>
+        </p:txBody>
+      </p:sp>
+    </p:spTree>
+    <p:extLst>
+      <p:ext uri="{BB962C8B-B14F-4D97-AF65-F5344CB8AC3E}">
+        <p14:creationId xmlns:p14="http://schemas.microsoft.com/office/powerpoint/2010/main" val="3043158227"/>
       </p:ext>
     </p:extLst>
   </p:cSld>
@@ -13511,25 +15312,8 @@
             <a:pPr algn="l" rtl="0"/>
             <a:r>
               <a:rPr lang="en-US" dirty="0" smtClean="0"/>
-              <a:t>The most common questions </a:t>
-            </a:r>
-            <a:r>
-              <a:rPr lang="en-US" dirty="0" smtClean="0"/>
-              <a:t>asked are </a:t>
-            </a:r>
-            <a:r>
-              <a:rPr lang="en-US" dirty="0" smtClean="0"/>
-              <a:t>related </a:t>
-            </a:r>
-            <a:r>
-              <a:rPr lang="en-US" dirty="0" smtClean="0"/>
-              <a:t>to finding housing in the new town. And specifically </a:t>
-            </a:r>
-            <a:r>
-              <a:rPr lang="en-US" dirty="0" smtClean="0"/>
-              <a:t>:</a:t>
-            </a:r>
-            <a:endParaRPr lang="en-US" dirty="0" smtClean="0"/>
+              <a:t>The most common questions asked are related to finding housing in the new town. And specifically :</a:t>
+            </a:r>
           </a:p>
           <a:p>
             <a:pPr algn="l" rtl="0"/>
@@ -13647,13 +15431,8 @@
             </a:pPr>
             <a:r>
               <a:rPr lang="en-US" dirty="0" smtClean="0"/>
-              <a:t>The employee would like to live in an area similar to </a:t>
-            </a:r>
-            <a:r>
-              <a:rPr lang="en-US" dirty="0" smtClean="0"/>
-              <a:t>the area he currently live in.</a:t>
-            </a:r>
-            <a:endParaRPr lang="en-US" dirty="0" smtClean="0"/>
+              <a:t>The employee would like to live in an area similar to the area he currently live in.</a:t>
+            </a:r>
           </a:p>
           <a:p>
             <a:pPr lvl="1" algn="l" rtl="0">
@@ -13662,13 +15441,8 @@
             </a:pPr>
             <a:r>
               <a:rPr lang="en-US" dirty="0" smtClean="0"/>
-              <a:t>We can get a good characteristic of an area by scrapping Foursquare data and finding the most common venues in that area</a:t>
-            </a:r>
-            <a:r>
-              <a:rPr lang="en-US" dirty="0" smtClean="0"/>
-              <a:t>. This data should represent the general atmosphere and type of the neighborhood.</a:t>
-            </a:r>
-            <a:endParaRPr lang="en-US" dirty="0" smtClean="0"/>
+              <a:t>We can get a good characteristic of an area by scrapping Foursquare data and finding the most common venues in that area. This data should represent the general atmosphere and type of the neighborhood.</a:t>
+            </a:r>
           </a:p>
           <a:p>
             <a:pPr marL="0" indent="0" algn="l" rtl="0">
@@ -14042,6 +15816,778 @@
     <p:extLst>
       <p:ext uri="{BB962C8B-B14F-4D97-AF65-F5344CB8AC3E}">
         <p14:creationId xmlns:p14="http://schemas.microsoft.com/office/powerpoint/2010/main" val="1027295719"/>
+      </p:ext>
+    </p:extLst>
+  </p:cSld>
+  <p:clrMapOvr>
+    <a:masterClrMapping/>
+  </p:clrMapOvr>
+</p:sld>
+</file>
+
+<file path=ppt/slides/slide8.xml><?xml version="1.0" encoding="utf-8"?>
+<p:sld xmlns:a="http://schemas.openxmlformats.org/drawingml/2006/main" xmlns:r="http://schemas.openxmlformats.org/officeDocument/2006/relationships" xmlns:p="http://schemas.openxmlformats.org/presentationml/2006/main">
+  <p:cSld>
+    <p:spTree>
+      <p:nvGrpSpPr>
+        <p:cNvPr id="1" name=""/>
+        <p:cNvGrpSpPr/>
+        <p:nvPr/>
+      </p:nvGrpSpPr>
+      <p:grpSpPr>
+        <a:xfrm>
+          <a:off x="0" y="0"/>
+          <a:ext cx="0" cy="0"/>
+          <a:chOff x="0" y="0"/>
+          <a:chExt cx="0" cy="0"/>
+        </a:xfrm>
+      </p:grpSpPr>
+      <p:sp>
+        <p:nvSpPr>
+          <p:cNvPr id="2" name="Title 1"/>
+          <p:cNvSpPr>
+            <a:spLocks noGrp="1"/>
+          </p:cNvSpPr>
+          <p:nvPr>
+            <p:ph type="title"/>
+          </p:nvPr>
+        </p:nvSpPr>
+        <p:spPr/>
+        <p:txBody>
+          <a:bodyPr/>
+          <a:lstStyle/>
+          <a:p>
+            <a:r>
+              <a:rPr lang="en-US" dirty="0" smtClean="0"/>
+              <a:t>Methodology</a:t>
+            </a:r>
+            <a:r>
+              <a:rPr lang="en-GB" dirty="0" smtClean="0"/>
+              <a:t> – </a:t>
+            </a:r>
+            <a:r>
+              <a:rPr lang="en-US" dirty="0" smtClean="0"/>
+              <a:t>Neighborhood </a:t>
+            </a:r>
+            <a:r>
+              <a:rPr lang="en-GB" dirty="0" smtClean="0"/>
+              <a:t>Data</a:t>
+            </a:r>
+            <a:endParaRPr lang="he-IL" dirty="0"/>
+          </a:p>
+        </p:txBody>
+      </p:sp>
+      <p:sp>
+        <p:nvSpPr>
+          <p:cNvPr id="3" name="Content Placeholder 2"/>
+          <p:cNvSpPr>
+            <a:spLocks noGrp="1"/>
+          </p:cNvSpPr>
+          <p:nvPr>
+            <p:ph idx="1"/>
+          </p:nvPr>
+        </p:nvSpPr>
+        <p:spPr>
+          <a:xfrm>
+            <a:off x="1307355" y="3582294"/>
+            <a:ext cx="4928804" cy="2071531"/>
+          </a:xfrm>
+        </p:spPr>
+        <p:txBody>
+          <a:bodyPr/>
+          <a:lstStyle/>
+          <a:p>
+            <a:pPr marL="0" indent="0" algn="l" rtl="0">
+              <a:buNone/>
+            </a:pPr>
+            <a:r>
+              <a:rPr lang="en-US" dirty="0" smtClean="0"/>
+              <a:t>The list was narrowed down by focusing on central areas for each cities since Foursquare data is really lacking for suburbs.</a:t>
+            </a:r>
+            <a:endParaRPr lang="he-IL" dirty="0"/>
+          </a:p>
+        </p:txBody>
+      </p:sp>
+      <p:pic>
+        <p:nvPicPr>
+          <p:cNvPr id="6" name="Picture 5"/>
+          <p:cNvPicPr>
+            <a:picLocks noChangeAspect="1"/>
+          </p:cNvPicPr>
+          <p:nvPr/>
+        </p:nvPicPr>
+        <p:blipFill>
+          <a:blip r:embed="rId2"/>
+          <a:stretch>
+            <a:fillRect/>
+          </a:stretch>
+        </p:blipFill>
+        <p:spPr>
+          <a:xfrm>
+            <a:off x="6236158" y="3309870"/>
+            <a:ext cx="5047412" cy="2343955"/>
+          </a:xfrm>
+          <a:prstGeom prst="rect">
+            <a:avLst/>
+          </a:prstGeom>
+        </p:spPr>
+      </p:pic>
+      <p:sp>
+        <p:nvSpPr>
+          <p:cNvPr id="7" name="Content Placeholder 2"/>
+          <p:cNvSpPr txBox="1">
+            <a:spLocks/>
+          </p:cNvSpPr>
+          <p:nvPr/>
+        </p:nvSpPr>
+        <p:spPr>
+          <a:xfrm>
+            <a:off x="1307354" y="2755899"/>
+            <a:ext cx="8825659" cy="657002"/>
+          </a:xfrm>
+          <a:prstGeom prst="rect">
+            <a:avLst/>
+          </a:prstGeom>
+        </p:spPr>
+        <p:txBody>
+          <a:bodyPr vert="horz" lIns="91440" tIns="45720" rIns="91440" bIns="45720" rtlCol="0">
+            <a:normAutofit/>
+          </a:bodyPr>
+          <a:lstStyle>
+            <a:lvl1pPr marL="342900" indent="-342900" algn="r" defTabSz="457200" rtl="1" eaLnBrk="1" latinLnBrk="0" hangingPunct="1">
+              <a:spcBef>
+                <a:spcPts val="1000"/>
+              </a:spcBef>
+              <a:spcAft>
+                <a:spcPts val="0"/>
+              </a:spcAft>
+              <a:buClr>
+                <a:schemeClr val="accent1"/>
+              </a:buClr>
+              <a:buSzPct val="80000"/>
+              <a:buFont typeface="Wingdings 3" charset="2"/>
+              <a:buChar char=""/>
+              <a:defRPr sz="1800" b="0" i="0" kern="1200">
+                <a:solidFill>
+                  <a:schemeClr val="tx1">
+                    <a:lumMod val="75000"/>
+                    <a:lumOff val="25000"/>
+                  </a:schemeClr>
+                </a:solidFill>
+                <a:latin typeface="+mn-lt"/>
+                <a:ea typeface="+mn-ea"/>
+                <a:cs typeface="+mn-cs"/>
+              </a:defRPr>
+            </a:lvl1pPr>
+            <a:lvl2pPr marL="742950" indent="-285750" algn="r" defTabSz="457200" rtl="1" eaLnBrk="1" latinLnBrk="0" hangingPunct="1">
+              <a:spcBef>
+                <a:spcPts val="1000"/>
+              </a:spcBef>
+              <a:spcAft>
+                <a:spcPts val="0"/>
+              </a:spcAft>
+              <a:buClr>
+                <a:schemeClr val="accent1"/>
+              </a:buClr>
+              <a:buSzPct val="80000"/>
+              <a:buFont typeface="Wingdings 3" charset="2"/>
+              <a:buChar char=""/>
+              <a:defRPr sz="1600" b="0" i="0" kern="1200">
+                <a:solidFill>
+                  <a:schemeClr val="tx1">
+                    <a:lumMod val="75000"/>
+                    <a:lumOff val="25000"/>
+                  </a:schemeClr>
+                </a:solidFill>
+                <a:latin typeface="+mn-lt"/>
+                <a:ea typeface="+mn-ea"/>
+                <a:cs typeface="+mn-cs"/>
+              </a:defRPr>
+            </a:lvl2pPr>
+            <a:lvl3pPr marL="1143000" indent="-228600" algn="r" defTabSz="457200" rtl="1" eaLnBrk="1" latinLnBrk="0" hangingPunct="1">
+              <a:spcBef>
+                <a:spcPts val="1000"/>
+              </a:spcBef>
+              <a:spcAft>
+                <a:spcPts val="0"/>
+              </a:spcAft>
+              <a:buClr>
+                <a:schemeClr val="accent1"/>
+              </a:buClr>
+              <a:buSzPct val="80000"/>
+              <a:buFont typeface="Wingdings 3" charset="2"/>
+              <a:buChar char=""/>
+              <a:defRPr sz="1400" b="0" i="0" kern="1200">
+                <a:solidFill>
+                  <a:schemeClr val="tx1">
+                    <a:lumMod val="75000"/>
+                    <a:lumOff val="25000"/>
+                  </a:schemeClr>
+                </a:solidFill>
+                <a:latin typeface="+mn-lt"/>
+                <a:ea typeface="+mn-ea"/>
+                <a:cs typeface="+mn-cs"/>
+              </a:defRPr>
+            </a:lvl3pPr>
+            <a:lvl4pPr marL="1600200" indent="-228600" algn="r" defTabSz="457200" rtl="1" eaLnBrk="1" latinLnBrk="0" hangingPunct="1">
+              <a:spcBef>
+                <a:spcPts val="1000"/>
+              </a:spcBef>
+              <a:spcAft>
+                <a:spcPts val="0"/>
+              </a:spcAft>
+              <a:buClr>
+                <a:schemeClr val="accent1"/>
+              </a:buClr>
+              <a:buSzPct val="80000"/>
+              <a:buFont typeface="Wingdings 3" charset="2"/>
+              <a:buChar char=""/>
+              <a:defRPr sz="1200" b="0" i="0" kern="1200">
+                <a:solidFill>
+                  <a:schemeClr val="tx1">
+                    <a:lumMod val="75000"/>
+                    <a:lumOff val="25000"/>
+                  </a:schemeClr>
+                </a:solidFill>
+                <a:latin typeface="+mn-lt"/>
+                <a:ea typeface="+mn-ea"/>
+                <a:cs typeface="+mn-cs"/>
+              </a:defRPr>
+            </a:lvl4pPr>
+            <a:lvl5pPr marL="2057400" indent="-228600" algn="r" defTabSz="457200" rtl="1" eaLnBrk="1" latinLnBrk="0" hangingPunct="1">
+              <a:spcBef>
+                <a:spcPts val="1000"/>
+              </a:spcBef>
+              <a:spcAft>
+                <a:spcPts val="0"/>
+              </a:spcAft>
+              <a:buClr>
+                <a:schemeClr val="accent1"/>
+              </a:buClr>
+              <a:buSzPct val="80000"/>
+              <a:buFont typeface="Wingdings 3" charset="2"/>
+              <a:buChar char=""/>
+              <a:defRPr sz="1200" b="0" i="0" kern="1200">
+                <a:solidFill>
+                  <a:schemeClr val="tx1">
+                    <a:lumMod val="75000"/>
+                    <a:lumOff val="25000"/>
+                  </a:schemeClr>
+                </a:solidFill>
+                <a:latin typeface="+mn-lt"/>
+                <a:ea typeface="+mn-ea"/>
+                <a:cs typeface="+mn-cs"/>
+              </a:defRPr>
+            </a:lvl5pPr>
+            <a:lvl6pPr marL="2514600" indent="-228600" algn="r" defTabSz="457200" rtl="1" eaLnBrk="1" latinLnBrk="0" hangingPunct="1">
+              <a:spcBef>
+                <a:spcPts val="1000"/>
+              </a:spcBef>
+              <a:spcAft>
+                <a:spcPts val="0"/>
+              </a:spcAft>
+              <a:buClr>
+                <a:schemeClr val="accent1"/>
+              </a:buClr>
+              <a:buSzPct val="80000"/>
+              <a:buFont typeface="Wingdings 3" charset="2"/>
+              <a:buChar char=""/>
+              <a:defRPr sz="1200" b="0" i="0" kern="1200">
+                <a:solidFill>
+                  <a:schemeClr val="tx1">
+                    <a:lumMod val="75000"/>
+                    <a:lumOff val="25000"/>
+                  </a:schemeClr>
+                </a:solidFill>
+                <a:latin typeface="+mn-lt"/>
+                <a:ea typeface="+mn-ea"/>
+                <a:cs typeface="+mn-cs"/>
+              </a:defRPr>
+            </a:lvl6pPr>
+            <a:lvl7pPr marL="2971800" indent="-228600" algn="r" defTabSz="457200" rtl="1" eaLnBrk="1" latinLnBrk="0" hangingPunct="1">
+              <a:spcBef>
+                <a:spcPts val="1000"/>
+              </a:spcBef>
+              <a:spcAft>
+                <a:spcPts val="0"/>
+              </a:spcAft>
+              <a:buClr>
+                <a:schemeClr val="accent1"/>
+              </a:buClr>
+              <a:buSzPct val="80000"/>
+              <a:buFont typeface="Wingdings 3" charset="2"/>
+              <a:buChar char=""/>
+              <a:defRPr sz="1200" b="0" i="0" kern="1200">
+                <a:solidFill>
+                  <a:schemeClr val="tx1">
+                    <a:lumMod val="75000"/>
+                    <a:lumOff val="25000"/>
+                  </a:schemeClr>
+                </a:solidFill>
+                <a:latin typeface="+mn-lt"/>
+                <a:ea typeface="+mn-ea"/>
+                <a:cs typeface="+mn-cs"/>
+              </a:defRPr>
+            </a:lvl7pPr>
+            <a:lvl8pPr marL="3429000" indent="-228600" algn="r" defTabSz="457200" rtl="1" eaLnBrk="1" latinLnBrk="0" hangingPunct="1">
+              <a:spcBef>
+                <a:spcPts val="1000"/>
+              </a:spcBef>
+              <a:spcAft>
+                <a:spcPts val="0"/>
+              </a:spcAft>
+              <a:buClr>
+                <a:schemeClr val="accent1"/>
+              </a:buClr>
+              <a:buSzPct val="80000"/>
+              <a:buFont typeface="Wingdings 3" charset="2"/>
+              <a:buChar char=""/>
+              <a:defRPr sz="1200" b="0" i="0" kern="1200">
+                <a:solidFill>
+                  <a:schemeClr val="tx1">
+                    <a:lumMod val="75000"/>
+                    <a:lumOff val="25000"/>
+                  </a:schemeClr>
+                </a:solidFill>
+                <a:latin typeface="+mn-lt"/>
+                <a:ea typeface="+mn-ea"/>
+                <a:cs typeface="+mn-cs"/>
+              </a:defRPr>
+            </a:lvl8pPr>
+            <a:lvl9pPr marL="3886200" indent="-228600" algn="r" defTabSz="457200" rtl="1" eaLnBrk="1" latinLnBrk="0" hangingPunct="1">
+              <a:spcBef>
+                <a:spcPts val="1000"/>
+              </a:spcBef>
+              <a:spcAft>
+                <a:spcPts val="0"/>
+              </a:spcAft>
+              <a:buClr>
+                <a:schemeClr val="accent1"/>
+              </a:buClr>
+              <a:buSzPct val="80000"/>
+              <a:buFont typeface="Wingdings 3" charset="2"/>
+              <a:buChar char=""/>
+              <a:defRPr sz="1200" b="0" i="0" kern="1200">
+                <a:solidFill>
+                  <a:schemeClr val="tx1">
+                    <a:lumMod val="75000"/>
+                    <a:lumOff val="25000"/>
+                  </a:schemeClr>
+                </a:solidFill>
+                <a:latin typeface="+mn-lt"/>
+                <a:ea typeface="+mn-ea"/>
+                <a:cs typeface="+mn-cs"/>
+              </a:defRPr>
+            </a:lvl9pPr>
+          </a:lstStyle>
+          <a:p>
+            <a:pPr marL="0" indent="0" algn="l" rtl="0">
+              <a:buFont typeface="Wingdings 3" charset="2"/>
+              <a:buNone/>
+            </a:pPr>
+            <a:r>
+              <a:rPr lang="en-GB" dirty="0" smtClean="0"/>
+              <a:t>A </a:t>
+            </a:r>
+            <a:r>
+              <a:rPr lang="en-US" dirty="0" smtClean="0"/>
+              <a:t>table containing all the Neighborhoods was created by scrapping the coordinates source and merging.</a:t>
+            </a:r>
+          </a:p>
+        </p:txBody>
+      </p:sp>
+    </p:spTree>
+    <p:extLst>
+      <p:ext uri="{BB962C8B-B14F-4D97-AF65-F5344CB8AC3E}">
+        <p14:creationId xmlns:p14="http://schemas.microsoft.com/office/powerpoint/2010/main" val="3580405350"/>
+      </p:ext>
+    </p:extLst>
+  </p:cSld>
+  <p:clrMapOvr>
+    <a:masterClrMapping/>
+  </p:clrMapOvr>
+</p:sld>
+</file>
+
+<file path=ppt/slides/slide9.xml><?xml version="1.0" encoding="utf-8"?>
+<p:sld xmlns:a="http://schemas.openxmlformats.org/drawingml/2006/main" xmlns:r="http://schemas.openxmlformats.org/officeDocument/2006/relationships" xmlns:p="http://schemas.openxmlformats.org/presentationml/2006/main">
+  <p:cSld>
+    <p:spTree>
+      <p:nvGrpSpPr>
+        <p:cNvPr id="1" name=""/>
+        <p:cNvGrpSpPr/>
+        <p:nvPr/>
+      </p:nvGrpSpPr>
+      <p:grpSpPr>
+        <a:xfrm>
+          <a:off x="0" y="0"/>
+          <a:ext cx="0" cy="0"/>
+          <a:chOff x="0" y="0"/>
+          <a:chExt cx="0" cy="0"/>
+        </a:xfrm>
+      </p:grpSpPr>
+      <p:sp>
+        <p:nvSpPr>
+          <p:cNvPr id="2" name="Title 1"/>
+          <p:cNvSpPr>
+            <a:spLocks noGrp="1"/>
+          </p:cNvSpPr>
+          <p:nvPr>
+            <p:ph type="title"/>
+          </p:nvPr>
+        </p:nvSpPr>
+        <p:spPr/>
+        <p:txBody>
+          <a:bodyPr/>
+          <a:lstStyle/>
+          <a:p>
+            <a:r>
+              <a:rPr lang="en-US" dirty="0" smtClean="0"/>
+              <a:t>Methodology – Foursquare Scrapping</a:t>
+            </a:r>
+            <a:endParaRPr lang="he-IL" dirty="0"/>
+          </a:p>
+        </p:txBody>
+      </p:sp>
+      <p:sp>
+        <p:nvSpPr>
+          <p:cNvPr id="3" name="Content Placeholder 2"/>
+          <p:cNvSpPr>
+            <a:spLocks noGrp="1"/>
+          </p:cNvSpPr>
+          <p:nvPr>
+            <p:ph idx="1"/>
+          </p:nvPr>
+        </p:nvSpPr>
+        <p:spPr>
+          <a:xfrm>
+            <a:off x="1154954" y="2603501"/>
+            <a:ext cx="8825659" cy="1144252"/>
+          </a:xfrm>
+        </p:spPr>
+        <p:txBody>
+          <a:bodyPr>
+            <a:normAutofit/>
+          </a:bodyPr>
+          <a:lstStyle/>
+          <a:p>
+            <a:pPr algn="l" rtl="0"/>
+            <a:r>
+              <a:rPr lang="en-US" dirty="0" smtClean="0"/>
+              <a:t>For each neighborhood center we got all the venues in a 500 yard radius from it center.</a:t>
+            </a:r>
+          </a:p>
+          <a:p>
+            <a:pPr algn="l" rtl="0"/>
+            <a:r>
+              <a:rPr lang="en-US" dirty="0" smtClean="0"/>
+              <a:t>We calculated the ratio of each venue type in it’s neighborhood:</a:t>
+            </a:r>
+          </a:p>
+          <a:p>
+            <a:pPr algn="l" rtl="0"/>
+            <a:endParaRPr lang="en-US" dirty="0" smtClean="0"/>
+          </a:p>
+          <a:p>
+            <a:pPr marL="0" indent="0" algn="l" rtl="0">
+              <a:buNone/>
+            </a:pPr>
+            <a:endParaRPr lang="en-US" dirty="0" smtClean="0"/>
+          </a:p>
+        </p:txBody>
+      </p:sp>
+      <p:pic>
+        <p:nvPicPr>
+          <p:cNvPr id="4" name="Picture 3"/>
+          <p:cNvPicPr>
+            <a:picLocks noChangeAspect="1"/>
+          </p:cNvPicPr>
+          <p:nvPr/>
+        </p:nvPicPr>
+        <p:blipFill>
+          <a:blip r:embed="rId2"/>
+          <a:stretch>
+            <a:fillRect/>
+          </a:stretch>
+        </p:blipFill>
+        <p:spPr>
+          <a:xfrm>
+            <a:off x="1154954" y="3747753"/>
+            <a:ext cx="9515475" cy="1933575"/>
+          </a:xfrm>
+          <a:prstGeom prst="rect">
+            <a:avLst/>
+          </a:prstGeom>
+        </p:spPr>
+      </p:pic>
+      <p:sp>
+        <p:nvSpPr>
+          <p:cNvPr id="5" name="Content Placeholder 2"/>
+          <p:cNvSpPr txBox="1">
+            <a:spLocks/>
+          </p:cNvSpPr>
+          <p:nvPr/>
+        </p:nvSpPr>
+        <p:spPr>
+          <a:xfrm>
+            <a:off x="1154954" y="5681328"/>
+            <a:ext cx="8825659" cy="682580"/>
+          </a:xfrm>
+          <a:prstGeom prst="rect">
+            <a:avLst/>
+          </a:prstGeom>
+        </p:spPr>
+        <p:txBody>
+          <a:bodyPr vert="horz" lIns="91440" tIns="45720" rIns="91440" bIns="45720" rtlCol="0">
+            <a:normAutofit/>
+          </a:bodyPr>
+          <a:lstStyle>
+            <a:lvl1pPr marL="342900" indent="-342900" algn="r" defTabSz="457200" rtl="1" eaLnBrk="1" latinLnBrk="0" hangingPunct="1">
+              <a:spcBef>
+                <a:spcPts val="1000"/>
+              </a:spcBef>
+              <a:spcAft>
+                <a:spcPts val="0"/>
+              </a:spcAft>
+              <a:buClr>
+                <a:schemeClr val="accent1"/>
+              </a:buClr>
+              <a:buSzPct val="80000"/>
+              <a:buFont typeface="Wingdings 3" charset="2"/>
+              <a:buChar char=""/>
+              <a:defRPr sz="1800" b="0" i="0" kern="1200">
+                <a:solidFill>
+                  <a:schemeClr val="tx1">
+                    <a:lumMod val="75000"/>
+                    <a:lumOff val="25000"/>
+                  </a:schemeClr>
+                </a:solidFill>
+                <a:latin typeface="+mn-lt"/>
+                <a:ea typeface="+mn-ea"/>
+                <a:cs typeface="+mn-cs"/>
+              </a:defRPr>
+            </a:lvl1pPr>
+            <a:lvl2pPr marL="742950" indent="-285750" algn="r" defTabSz="457200" rtl="1" eaLnBrk="1" latinLnBrk="0" hangingPunct="1">
+              <a:spcBef>
+                <a:spcPts val="1000"/>
+              </a:spcBef>
+              <a:spcAft>
+                <a:spcPts val="0"/>
+              </a:spcAft>
+              <a:buClr>
+                <a:schemeClr val="accent1"/>
+              </a:buClr>
+              <a:buSzPct val="80000"/>
+              <a:buFont typeface="Wingdings 3" charset="2"/>
+              <a:buChar char=""/>
+              <a:defRPr sz="1600" b="0" i="0" kern="1200">
+                <a:solidFill>
+                  <a:schemeClr val="tx1">
+                    <a:lumMod val="75000"/>
+                    <a:lumOff val="25000"/>
+                  </a:schemeClr>
+                </a:solidFill>
+                <a:latin typeface="+mn-lt"/>
+                <a:ea typeface="+mn-ea"/>
+                <a:cs typeface="+mn-cs"/>
+              </a:defRPr>
+            </a:lvl2pPr>
+            <a:lvl3pPr marL="1143000" indent="-228600" algn="r" defTabSz="457200" rtl="1" eaLnBrk="1" latinLnBrk="0" hangingPunct="1">
+              <a:spcBef>
+                <a:spcPts val="1000"/>
+              </a:spcBef>
+              <a:spcAft>
+                <a:spcPts val="0"/>
+              </a:spcAft>
+              <a:buClr>
+                <a:schemeClr val="accent1"/>
+              </a:buClr>
+              <a:buSzPct val="80000"/>
+              <a:buFont typeface="Wingdings 3" charset="2"/>
+              <a:buChar char=""/>
+              <a:defRPr sz="1400" b="0" i="0" kern="1200">
+                <a:solidFill>
+                  <a:schemeClr val="tx1">
+                    <a:lumMod val="75000"/>
+                    <a:lumOff val="25000"/>
+                  </a:schemeClr>
+                </a:solidFill>
+                <a:latin typeface="+mn-lt"/>
+                <a:ea typeface="+mn-ea"/>
+                <a:cs typeface="+mn-cs"/>
+              </a:defRPr>
+            </a:lvl3pPr>
+            <a:lvl4pPr marL="1600200" indent="-228600" algn="r" defTabSz="457200" rtl="1" eaLnBrk="1" latinLnBrk="0" hangingPunct="1">
+              <a:spcBef>
+                <a:spcPts val="1000"/>
+              </a:spcBef>
+              <a:spcAft>
+                <a:spcPts val="0"/>
+              </a:spcAft>
+              <a:buClr>
+                <a:schemeClr val="accent1"/>
+              </a:buClr>
+              <a:buSzPct val="80000"/>
+              <a:buFont typeface="Wingdings 3" charset="2"/>
+              <a:buChar char=""/>
+              <a:defRPr sz="1200" b="0" i="0" kern="1200">
+                <a:solidFill>
+                  <a:schemeClr val="tx1">
+                    <a:lumMod val="75000"/>
+                    <a:lumOff val="25000"/>
+                  </a:schemeClr>
+                </a:solidFill>
+                <a:latin typeface="+mn-lt"/>
+                <a:ea typeface="+mn-ea"/>
+                <a:cs typeface="+mn-cs"/>
+              </a:defRPr>
+            </a:lvl4pPr>
+            <a:lvl5pPr marL="2057400" indent="-228600" algn="r" defTabSz="457200" rtl="1" eaLnBrk="1" latinLnBrk="0" hangingPunct="1">
+              <a:spcBef>
+                <a:spcPts val="1000"/>
+              </a:spcBef>
+              <a:spcAft>
+                <a:spcPts val="0"/>
+              </a:spcAft>
+              <a:buClr>
+                <a:schemeClr val="accent1"/>
+              </a:buClr>
+              <a:buSzPct val="80000"/>
+              <a:buFont typeface="Wingdings 3" charset="2"/>
+              <a:buChar char=""/>
+              <a:defRPr sz="1200" b="0" i="0" kern="1200">
+                <a:solidFill>
+                  <a:schemeClr val="tx1">
+                    <a:lumMod val="75000"/>
+                    <a:lumOff val="25000"/>
+                  </a:schemeClr>
+                </a:solidFill>
+                <a:latin typeface="+mn-lt"/>
+                <a:ea typeface="+mn-ea"/>
+                <a:cs typeface="+mn-cs"/>
+              </a:defRPr>
+            </a:lvl5pPr>
+            <a:lvl6pPr marL="2514600" indent="-228600" algn="r" defTabSz="457200" rtl="1" eaLnBrk="1" latinLnBrk="0" hangingPunct="1">
+              <a:spcBef>
+                <a:spcPts val="1000"/>
+              </a:spcBef>
+              <a:spcAft>
+                <a:spcPts val="0"/>
+              </a:spcAft>
+              <a:buClr>
+                <a:schemeClr val="accent1"/>
+              </a:buClr>
+              <a:buSzPct val="80000"/>
+              <a:buFont typeface="Wingdings 3" charset="2"/>
+              <a:buChar char=""/>
+              <a:defRPr sz="1200" b="0" i="0" kern="1200">
+                <a:solidFill>
+                  <a:schemeClr val="tx1">
+                    <a:lumMod val="75000"/>
+                    <a:lumOff val="25000"/>
+                  </a:schemeClr>
+                </a:solidFill>
+                <a:latin typeface="+mn-lt"/>
+                <a:ea typeface="+mn-ea"/>
+                <a:cs typeface="+mn-cs"/>
+              </a:defRPr>
+            </a:lvl6pPr>
+            <a:lvl7pPr marL="2971800" indent="-228600" algn="r" defTabSz="457200" rtl="1" eaLnBrk="1" latinLnBrk="0" hangingPunct="1">
+              <a:spcBef>
+                <a:spcPts val="1000"/>
+              </a:spcBef>
+              <a:spcAft>
+                <a:spcPts val="0"/>
+              </a:spcAft>
+              <a:buClr>
+                <a:schemeClr val="accent1"/>
+              </a:buClr>
+              <a:buSzPct val="80000"/>
+              <a:buFont typeface="Wingdings 3" charset="2"/>
+              <a:buChar char=""/>
+              <a:defRPr sz="1200" b="0" i="0" kern="1200">
+                <a:solidFill>
+                  <a:schemeClr val="tx1">
+                    <a:lumMod val="75000"/>
+                    <a:lumOff val="25000"/>
+                  </a:schemeClr>
+                </a:solidFill>
+                <a:latin typeface="+mn-lt"/>
+                <a:ea typeface="+mn-ea"/>
+                <a:cs typeface="+mn-cs"/>
+              </a:defRPr>
+            </a:lvl7pPr>
+            <a:lvl8pPr marL="3429000" indent="-228600" algn="r" defTabSz="457200" rtl="1" eaLnBrk="1" latinLnBrk="0" hangingPunct="1">
+              <a:spcBef>
+                <a:spcPts val="1000"/>
+              </a:spcBef>
+              <a:spcAft>
+                <a:spcPts val="0"/>
+              </a:spcAft>
+              <a:buClr>
+                <a:schemeClr val="accent1"/>
+              </a:buClr>
+              <a:buSzPct val="80000"/>
+              <a:buFont typeface="Wingdings 3" charset="2"/>
+              <a:buChar char=""/>
+              <a:defRPr sz="1200" b="0" i="0" kern="1200">
+                <a:solidFill>
+                  <a:schemeClr val="tx1">
+                    <a:lumMod val="75000"/>
+                    <a:lumOff val="25000"/>
+                  </a:schemeClr>
+                </a:solidFill>
+                <a:latin typeface="+mn-lt"/>
+                <a:ea typeface="+mn-ea"/>
+                <a:cs typeface="+mn-cs"/>
+              </a:defRPr>
+            </a:lvl8pPr>
+            <a:lvl9pPr marL="3886200" indent="-228600" algn="r" defTabSz="457200" rtl="1" eaLnBrk="1" latinLnBrk="0" hangingPunct="1">
+              <a:spcBef>
+                <a:spcPts val="1000"/>
+              </a:spcBef>
+              <a:spcAft>
+                <a:spcPts val="0"/>
+              </a:spcAft>
+              <a:buClr>
+                <a:schemeClr val="accent1"/>
+              </a:buClr>
+              <a:buSzPct val="80000"/>
+              <a:buFont typeface="Wingdings 3" charset="2"/>
+              <a:buChar char=""/>
+              <a:defRPr sz="1200" b="0" i="0" kern="1200">
+                <a:solidFill>
+                  <a:schemeClr val="tx1">
+                    <a:lumMod val="75000"/>
+                    <a:lumOff val="25000"/>
+                  </a:schemeClr>
+                </a:solidFill>
+                <a:latin typeface="+mn-lt"/>
+                <a:ea typeface="+mn-ea"/>
+                <a:cs typeface="+mn-cs"/>
+              </a:defRPr>
+            </a:lvl9pPr>
+          </a:lstStyle>
+          <a:p>
+            <a:pPr algn="l" rtl="0"/>
+            <a:r>
+              <a:rPr lang="en-US" dirty="0" smtClean="0"/>
+              <a:t>Finally, we merged the 3 data frames into a single data frame containing neighborhoods from the 3 cities.</a:t>
+            </a:r>
+          </a:p>
+          <a:p>
+            <a:pPr marL="0" indent="0" algn="l" rtl="0">
+              <a:buFont typeface="Wingdings 3" charset="2"/>
+              <a:buNone/>
+            </a:pPr>
+            <a:endParaRPr lang="en-US" dirty="0" smtClean="0"/>
+          </a:p>
+        </p:txBody>
+      </p:sp>
+    </p:spTree>
+    <p:extLst>
+      <p:ext uri="{BB962C8B-B14F-4D97-AF65-F5344CB8AC3E}">
+        <p14:creationId xmlns:p14="http://schemas.microsoft.com/office/powerpoint/2010/main" val="1129613505"/>
       </p:ext>
     </p:extLst>
   </p:cSld>
